--- a/poster/poster.pptx
+++ b/poster/poster.pptx
@@ -6,6 +6,7 @@
   </p:sldMasterIdLst>
   <p:sldIdLst>
     <p:sldId id="256" r:id="rId2"/>
+    <p:sldId id="257" r:id="rId3"/>
   </p:sldIdLst>
   <p:sldSz cx="32399288" cy="43200638"/>
   <p:notesSz cx="6858000" cy="9144000"/>
@@ -243,7 +244,7 @@
           <a:p>
             <a:fld id="{93763EF7-793A-4FEE-A10F-93FCB5A92AA1}" type="datetimeFigureOut">
               <a:rPr lang="th-TH" smtClean="0"/>
-              <a:t>04/07/62</a:t>
+              <a:t>07/07/62</a:t>
             </a:fld>
             <a:endParaRPr lang="th-TH"/>
           </a:p>
@@ -413,7 +414,7 @@
           <a:p>
             <a:fld id="{93763EF7-793A-4FEE-A10F-93FCB5A92AA1}" type="datetimeFigureOut">
               <a:rPr lang="th-TH" smtClean="0"/>
-              <a:t>04/07/62</a:t>
+              <a:t>07/07/62</a:t>
             </a:fld>
             <a:endParaRPr lang="th-TH"/>
           </a:p>
@@ -593,7 +594,7 @@
           <a:p>
             <a:fld id="{93763EF7-793A-4FEE-A10F-93FCB5A92AA1}" type="datetimeFigureOut">
               <a:rPr lang="th-TH" smtClean="0"/>
-              <a:t>04/07/62</a:t>
+              <a:t>07/07/62</a:t>
             </a:fld>
             <a:endParaRPr lang="th-TH"/>
           </a:p>
@@ -763,7 +764,7 @@
           <a:p>
             <a:fld id="{93763EF7-793A-4FEE-A10F-93FCB5A92AA1}" type="datetimeFigureOut">
               <a:rPr lang="th-TH" smtClean="0"/>
-              <a:t>04/07/62</a:t>
+              <a:t>07/07/62</a:t>
             </a:fld>
             <a:endParaRPr lang="th-TH"/>
           </a:p>
@@ -1007,7 +1008,7 @@
           <a:p>
             <a:fld id="{93763EF7-793A-4FEE-A10F-93FCB5A92AA1}" type="datetimeFigureOut">
               <a:rPr lang="th-TH" smtClean="0"/>
-              <a:t>04/07/62</a:t>
+              <a:t>07/07/62</a:t>
             </a:fld>
             <a:endParaRPr lang="th-TH"/>
           </a:p>
@@ -1239,7 +1240,7 @@
           <a:p>
             <a:fld id="{93763EF7-793A-4FEE-A10F-93FCB5A92AA1}" type="datetimeFigureOut">
               <a:rPr lang="th-TH" smtClean="0"/>
-              <a:t>04/07/62</a:t>
+              <a:t>07/07/62</a:t>
             </a:fld>
             <a:endParaRPr lang="th-TH"/>
           </a:p>
@@ -1606,7 +1607,7 @@
           <a:p>
             <a:fld id="{93763EF7-793A-4FEE-A10F-93FCB5A92AA1}" type="datetimeFigureOut">
               <a:rPr lang="th-TH" smtClean="0"/>
-              <a:t>04/07/62</a:t>
+              <a:t>07/07/62</a:t>
             </a:fld>
             <a:endParaRPr lang="th-TH"/>
           </a:p>
@@ -1724,7 +1725,7 @@
           <a:p>
             <a:fld id="{93763EF7-793A-4FEE-A10F-93FCB5A92AA1}" type="datetimeFigureOut">
               <a:rPr lang="th-TH" smtClean="0"/>
-              <a:t>04/07/62</a:t>
+              <a:t>07/07/62</a:t>
             </a:fld>
             <a:endParaRPr lang="th-TH"/>
           </a:p>
@@ -1819,7 +1820,7 @@
           <a:p>
             <a:fld id="{93763EF7-793A-4FEE-A10F-93FCB5A92AA1}" type="datetimeFigureOut">
               <a:rPr lang="th-TH" smtClean="0"/>
-              <a:t>04/07/62</a:t>
+              <a:t>07/07/62</a:t>
             </a:fld>
             <a:endParaRPr lang="th-TH"/>
           </a:p>
@@ -2096,7 +2097,7 @@
           <a:p>
             <a:fld id="{93763EF7-793A-4FEE-A10F-93FCB5A92AA1}" type="datetimeFigureOut">
               <a:rPr lang="th-TH" smtClean="0"/>
-              <a:t>04/07/62</a:t>
+              <a:t>07/07/62</a:t>
             </a:fld>
             <a:endParaRPr lang="th-TH"/>
           </a:p>
@@ -2353,7 +2354,7 @@
           <a:p>
             <a:fld id="{93763EF7-793A-4FEE-A10F-93FCB5A92AA1}" type="datetimeFigureOut">
               <a:rPr lang="th-TH" smtClean="0"/>
-              <a:t>04/07/62</a:t>
+              <a:t>07/07/62</a:t>
             </a:fld>
             <a:endParaRPr lang="th-TH"/>
           </a:p>
@@ -2566,7 +2567,7 @@
           <a:p>
             <a:fld id="{93763EF7-793A-4FEE-A10F-93FCB5A92AA1}" type="datetimeFigureOut">
               <a:rPr lang="th-TH" smtClean="0"/>
-              <a:t>04/07/62</a:t>
+              <a:t>07/07/62</a:t>
             </a:fld>
             <a:endParaRPr lang="th-TH"/>
           </a:p>
@@ -3488,84 +3489,6 @@
       </p:sp>
       <p:sp>
         <p:nvSpPr>
-          <p:cNvPr id="14" name="ชื่อเรื่อง 1">
-            <a:extLst>
-              <a:ext uri="{FF2B5EF4-FFF2-40B4-BE49-F238E27FC236}">
-                <a16:creationId xmlns:a16="http://schemas.microsoft.com/office/drawing/2014/main" id="{225BE80E-ED6C-485C-BF1A-158B6DF12A50}"/>
-              </a:ext>
-            </a:extLst>
-          </p:cNvPr>
-          <p:cNvSpPr>
-            <a:spLocks noGrp="1"/>
-          </p:cNvSpPr>
-          <p:nvPr>
-            <p:ph type="ctrTitle"/>
-          </p:nvPr>
-        </p:nvSpPr>
-        <p:spPr>
-          <a:xfrm>
-            <a:off x="7304148" y="12520016"/>
-            <a:ext cx="3031344" cy="1734009"/>
-          </a:xfrm>
-          <a:prstGeom prst="roundRect">
-            <a:avLst>
-              <a:gd name="adj" fmla="val 12204"/>
-            </a:avLst>
-          </a:prstGeom>
-          <a:solidFill>
-            <a:schemeClr val="bg1"/>
-          </a:solidFill>
-          <a:ln>
-            <a:solidFill>
-              <a:schemeClr val="bg1">
-                <a:lumMod val="95000"/>
-              </a:schemeClr>
-            </a:solidFill>
-          </a:ln>
-          <a:effectLst>
-            <a:outerShdw blurRad="50800" dist="38100" dir="5400000" algn="t" rotWithShape="0">
-              <a:prstClr val="black">
-                <a:alpha val="40000"/>
-              </a:prstClr>
-            </a:outerShdw>
-          </a:effectLst>
-        </p:spPr>
-        <p:txBody>
-          <a:bodyPr lIns="274320" tIns="274320" rIns="274320" bIns="274320" anchor="ctr">
-            <a:noAutofit/>
-          </a:bodyPr>
-          <a:lstStyle/>
-          <a:p>
-            <a:pPr lvl="0" defTabSz="457200" fontAlgn="base">
-              <a:lnSpc>
-                <a:spcPct val="115000"/>
-              </a:lnSpc>
-              <a:spcBef>
-                <a:spcPts val="0"/>
-              </a:spcBef>
-              <a:spcAft>
-                <a:spcPts val="1000"/>
-              </a:spcAft>
-              <a:tabLst>
-                <a:tab pos="1436688" algn="l"/>
-              </a:tabLst>
-            </a:pPr>
-            <a:r>
-              <a:rPr lang="th-TH" sz="5400" dirty="0">
-                <a:latin typeface="Kanit Light" panose="00000400000000000000" pitchFamily="2" charset="-34"/>
-                <a:cs typeface="Kanit Light" panose="00000400000000000000" pitchFamily="2" charset="-34"/>
-              </a:rPr>
-              <a:t>บทนำ</a:t>
-            </a:r>
-            <a:endParaRPr lang="th-TH" sz="6000" dirty="0">
-              <a:latin typeface="Kanit Light" panose="00000400000000000000" pitchFamily="2" charset="-34"/>
-              <a:cs typeface="Kanit Light" panose="00000400000000000000" pitchFamily="2" charset="-34"/>
-            </a:endParaRPr>
-          </a:p>
-        </p:txBody>
-      </p:sp>
-      <p:sp>
-        <p:nvSpPr>
           <p:cNvPr id="15" name="สี่เหลี่ยมผืนผ้า 14">
             <a:extLst>
               <a:ext uri="{FF2B5EF4-FFF2-40B4-BE49-F238E27FC236}">
@@ -4101,12 +4024,12 @@
         </p:nvSpPr>
         <p:spPr>
           <a:xfrm>
-            <a:off x="1799997" y="23080575"/>
-            <a:ext cx="14039645" cy="4648605"/>
+            <a:off x="1799996" y="22800858"/>
+            <a:ext cx="14039645" cy="4429581"/>
           </a:xfrm>
           <a:prstGeom prst="roundRect">
             <a:avLst>
-              <a:gd name="adj" fmla="val 8073"/>
+              <a:gd name="adj" fmla="val 4543"/>
             </a:avLst>
           </a:prstGeom>
           <a:solidFill>
@@ -4189,16 +4112,6 @@
               </a:tabLst>
             </a:pPr>
             <a:r>
-              <a:rPr lang="th-TH" sz="1000" dirty="0">
-                <a:solidFill>
-                  <a:schemeClr val="bg1"/>
-                </a:solidFill>
-                <a:latin typeface="Kanit Light" panose="00000400000000000000" pitchFamily="2" charset="-34"/>
-                <a:cs typeface="Kanit Light" panose="00000400000000000000" pitchFamily="2" charset="-34"/>
-              </a:rPr>
-              <a:t>ใ</a:t>
-            </a:r>
-            <a:br>
               <a:rPr lang="th-TH" sz="4000" dirty="0">
                 <a:solidFill>
                   <a:srgbClr val="000000"/>
@@ -4207,16 +4120,6 @@
                 <a:ea typeface="+mn-ea"/>
                 <a:cs typeface="Kanit Light" panose="00000400000000000000" pitchFamily="2" charset="-34"/>
               </a:rPr>
-            </a:br>
-            <a:r>
-              <a:rPr lang="th-TH" sz="4000" dirty="0">
-                <a:solidFill>
-                  <a:srgbClr val="000000"/>
-                </a:solidFill>
-                <a:latin typeface="Kanit Light" panose="00000400000000000000" pitchFamily="2" charset="-34"/>
-                <a:ea typeface="+mn-ea"/>
-                <a:cs typeface="Kanit Light" panose="00000400000000000000" pitchFamily="2" charset="-34"/>
-              </a:rPr>
               <a:t>	</a:t>
             </a:r>
             <a:r>
@@ -4302,7 +4205,7 @@
                 <a:ea typeface="+mn-ea"/>
                 <a:cs typeface="Kanit Light" panose="00000400000000000000" pitchFamily="2" charset="-34"/>
               </a:rPr>
-              <a:t>ในการแสดงผลข้อมูลตารางเรียน และข้อมูลสถานที่สอน สำหรับนักเรียนห้อง ม.602 โรงเรียนสวนกุหลาบวิทยาลัย ที่มีความสามารถในการเพิ่ม แก้ไข ดัดแปลงข้อมูลต่าง ๆ และการส่งต่อข้อมูลระหว่างอุปกรณ์ได้</a:t>
+              <a:t>ในการแสดงผลข้อมูลตารางเรียน และข้อมูลสถานที่สอน สำหรับนักเรียนห้อง ม.602 โรงเรียนสวนกุหลาบวิทยาลัย ที่มีความสามารถในการเพิ่ม แก้ไข ดัดแปลงข้อมูล ต่าง ๆ และการส่งต่อข้อมูลระหว่างอุปกรณ์ได้</a:t>
             </a:r>
             <a:endParaRPr lang="th-TH" sz="5400" dirty="0">
               <a:latin typeface="Kanit Light" panose="00000400000000000000" pitchFamily="2" charset="-34"/>
@@ -4366,402 +4269,6 @@
       </p:sp>
       <p:sp>
         <p:nvSpPr>
-          <p:cNvPr id="2" name="สี่เหลี่ยมผืนผ้า: มุมมน 1">
-            <a:extLst>
-              <a:ext uri="{FF2B5EF4-FFF2-40B4-BE49-F238E27FC236}">
-                <a16:creationId xmlns:a16="http://schemas.microsoft.com/office/drawing/2014/main" id="{FDF71070-FD8A-47A2-BA39-7B6029581AF5}"/>
-              </a:ext>
-            </a:extLst>
-          </p:cNvPr>
-          <p:cNvSpPr/>
-          <p:nvPr/>
-        </p:nvSpPr>
-        <p:spPr>
-          <a:xfrm>
-            <a:off x="2250831" y="29898065"/>
-            <a:ext cx="5310554" cy="1090246"/>
-          </a:xfrm>
-          <a:prstGeom prst="roundRect">
-            <a:avLst/>
-          </a:prstGeom>
-          <a:solidFill>
-            <a:schemeClr val="bg1"/>
-          </a:solidFill>
-          <a:ln>
-            <a:solidFill>
-              <a:schemeClr val="bg1">
-                <a:lumMod val="95000"/>
-              </a:schemeClr>
-            </a:solidFill>
-          </a:ln>
-          <a:effectLst>
-            <a:outerShdw blurRad="50800" dist="38100" dir="5400000" algn="t" rotWithShape="0">
-              <a:prstClr val="black">
-                <a:alpha val="40000"/>
-              </a:prstClr>
-            </a:outerShdw>
-          </a:effectLst>
-        </p:spPr>
-        <p:txBody>
-          <a:bodyPr vert="horz" lIns="0" tIns="0" rIns="0" bIns="0" rtlCol="0" anchor="ctr">
-            <a:noAutofit/>
-          </a:bodyPr>
-          <a:lstStyle/>
-          <a:p>
-            <a:pPr algn="ctr" fontAlgn="base">
-              <a:lnSpc>
-                <a:spcPct val="115000"/>
-              </a:lnSpc>
-              <a:spcAft>
-                <a:spcPts val="1000"/>
-              </a:spcAft>
-              <a:tabLst>
-                <a:tab pos="1436688" algn="l"/>
-              </a:tabLst>
-            </a:pPr>
-            <a:r>
-              <a:rPr lang="th-TH" sz="3600" dirty="0">
-                <a:latin typeface="Kanit Light" panose="00000400000000000000" pitchFamily="2" charset="-34"/>
-                <a:ea typeface="+mj-ea"/>
-                <a:cs typeface="Kanit Light" panose="00000400000000000000" pitchFamily="2" charset="-34"/>
-              </a:rPr>
-              <a:t>กำหนดความต้องการ</a:t>
-            </a:r>
-          </a:p>
-        </p:txBody>
-      </p:sp>
-      <p:sp>
-        <p:nvSpPr>
-          <p:cNvPr id="25" name="สี่เหลี่ยมผืนผ้า: มุมมน 24">
-            <a:extLst>
-              <a:ext uri="{FF2B5EF4-FFF2-40B4-BE49-F238E27FC236}">
-                <a16:creationId xmlns:a16="http://schemas.microsoft.com/office/drawing/2014/main" id="{D3F202F3-30E1-4446-A64F-BD8BFB31528C}"/>
-              </a:ext>
-            </a:extLst>
-          </p:cNvPr>
-          <p:cNvSpPr/>
-          <p:nvPr/>
-        </p:nvSpPr>
-        <p:spPr>
-          <a:xfrm>
-            <a:off x="2250831" y="31094220"/>
-            <a:ext cx="5310554" cy="1090246"/>
-          </a:xfrm>
-          <a:prstGeom prst="roundRect">
-            <a:avLst/>
-          </a:prstGeom>
-          <a:solidFill>
-            <a:schemeClr val="bg1"/>
-          </a:solidFill>
-          <a:ln>
-            <a:solidFill>
-              <a:schemeClr val="bg1">
-                <a:lumMod val="95000"/>
-              </a:schemeClr>
-            </a:solidFill>
-          </a:ln>
-          <a:effectLst>
-            <a:outerShdw blurRad="50800" dist="38100" dir="5400000" algn="t" rotWithShape="0">
-              <a:prstClr val="black">
-                <a:alpha val="40000"/>
-              </a:prstClr>
-            </a:outerShdw>
-          </a:effectLst>
-        </p:spPr>
-        <p:txBody>
-          <a:bodyPr vert="horz" lIns="0" tIns="0" rIns="0" bIns="0" rtlCol="0" anchor="ctr">
-            <a:noAutofit/>
-          </a:bodyPr>
-          <a:lstStyle/>
-          <a:p>
-            <a:pPr algn="ctr" fontAlgn="base">
-              <a:lnSpc>
-                <a:spcPct val="115000"/>
-              </a:lnSpc>
-              <a:spcAft>
-                <a:spcPts val="1000"/>
-              </a:spcAft>
-              <a:tabLst>
-                <a:tab pos="1436688" algn="l"/>
-              </a:tabLst>
-            </a:pPr>
-            <a:r>
-              <a:rPr lang="th-TH" sz="3600" dirty="0">
-                <a:latin typeface="Kanit Light" panose="00000400000000000000" pitchFamily="2" charset="-34"/>
-                <a:ea typeface="+mj-ea"/>
-                <a:cs typeface="Kanit Light" panose="00000400000000000000" pitchFamily="2" charset="-34"/>
-              </a:rPr>
-              <a:t>ออกแบบระบบ</a:t>
-            </a:r>
-          </a:p>
-        </p:txBody>
-      </p:sp>
-      <p:sp>
-        <p:nvSpPr>
-          <p:cNvPr id="28" name="สี่เหลี่ยมผืนผ้า: มุมมน 27">
-            <a:extLst>
-              <a:ext uri="{FF2B5EF4-FFF2-40B4-BE49-F238E27FC236}">
-                <a16:creationId xmlns:a16="http://schemas.microsoft.com/office/drawing/2014/main" id="{F1F37801-9779-4194-B829-9184A11AFF59}"/>
-              </a:ext>
-            </a:extLst>
-          </p:cNvPr>
-          <p:cNvSpPr/>
-          <p:nvPr/>
-        </p:nvSpPr>
-        <p:spPr>
-          <a:xfrm>
-            <a:off x="2250831" y="32290375"/>
-            <a:ext cx="5310554" cy="1090246"/>
-          </a:xfrm>
-          <a:prstGeom prst="roundRect">
-            <a:avLst/>
-          </a:prstGeom>
-          <a:solidFill>
-            <a:schemeClr val="bg1"/>
-          </a:solidFill>
-          <a:ln>
-            <a:solidFill>
-              <a:schemeClr val="bg1">
-                <a:lumMod val="95000"/>
-              </a:schemeClr>
-            </a:solidFill>
-          </a:ln>
-          <a:effectLst>
-            <a:outerShdw blurRad="50800" dist="38100" dir="5400000" algn="t" rotWithShape="0">
-              <a:prstClr val="black">
-                <a:alpha val="40000"/>
-              </a:prstClr>
-            </a:outerShdw>
-          </a:effectLst>
-        </p:spPr>
-        <p:txBody>
-          <a:bodyPr vert="horz" lIns="0" tIns="0" rIns="0" bIns="0" rtlCol="0" anchor="ctr">
-            <a:noAutofit/>
-          </a:bodyPr>
-          <a:lstStyle/>
-          <a:p>
-            <a:pPr algn="ctr" fontAlgn="base">
-              <a:lnSpc>
-                <a:spcPct val="115000"/>
-              </a:lnSpc>
-              <a:spcAft>
-                <a:spcPts val="1000"/>
-              </a:spcAft>
-              <a:tabLst>
-                <a:tab pos="1436688" algn="l"/>
-              </a:tabLst>
-            </a:pPr>
-            <a:r>
-              <a:rPr lang="th-TH" sz="3600" dirty="0">
-                <a:latin typeface="Kanit Light" panose="00000400000000000000" pitchFamily="2" charset="-34"/>
-                <a:ea typeface="+mj-ea"/>
-                <a:cs typeface="Kanit Light" panose="00000400000000000000" pitchFamily="2" charset="-34"/>
-              </a:rPr>
-              <a:t>การดำเนินงาน</a:t>
-            </a:r>
-          </a:p>
-        </p:txBody>
-      </p:sp>
-      <p:sp>
-        <p:nvSpPr>
-          <p:cNvPr id="29" name="สี่เหลี่ยมผืนผ้า: มุมมน 28">
-            <a:extLst>
-              <a:ext uri="{FF2B5EF4-FFF2-40B4-BE49-F238E27FC236}">
-                <a16:creationId xmlns:a16="http://schemas.microsoft.com/office/drawing/2014/main" id="{A656753D-4B67-4089-925F-4AD19EC467BC}"/>
-              </a:ext>
-            </a:extLst>
-          </p:cNvPr>
-          <p:cNvSpPr/>
-          <p:nvPr/>
-        </p:nvSpPr>
-        <p:spPr>
-          <a:xfrm>
-            <a:off x="2250831" y="33484072"/>
-            <a:ext cx="5310554" cy="1090246"/>
-          </a:xfrm>
-          <a:prstGeom prst="roundRect">
-            <a:avLst/>
-          </a:prstGeom>
-          <a:solidFill>
-            <a:schemeClr val="bg1"/>
-          </a:solidFill>
-          <a:ln>
-            <a:solidFill>
-              <a:schemeClr val="bg1">
-                <a:lumMod val="95000"/>
-              </a:schemeClr>
-            </a:solidFill>
-          </a:ln>
-          <a:effectLst>
-            <a:outerShdw blurRad="50800" dist="38100" dir="5400000" algn="t" rotWithShape="0">
-              <a:prstClr val="black">
-                <a:alpha val="40000"/>
-              </a:prstClr>
-            </a:outerShdw>
-          </a:effectLst>
-        </p:spPr>
-        <p:txBody>
-          <a:bodyPr vert="horz" lIns="0" tIns="0" rIns="0" bIns="0" rtlCol="0" anchor="ctr">
-            <a:noAutofit/>
-          </a:bodyPr>
-          <a:lstStyle/>
-          <a:p>
-            <a:pPr algn="ctr" fontAlgn="base">
-              <a:lnSpc>
-                <a:spcPct val="115000"/>
-              </a:lnSpc>
-              <a:spcAft>
-                <a:spcPts val="1000"/>
-              </a:spcAft>
-              <a:tabLst>
-                <a:tab pos="1436688" algn="l"/>
-              </a:tabLst>
-            </a:pPr>
-            <a:r>
-              <a:rPr lang="th-TH" sz="3600" dirty="0">
-                <a:latin typeface="Kanit Light" panose="00000400000000000000" pitchFamily="2" charset="-34"/>
-                <a:ea typeface="+mj-ea"/>
-                <a:cs typeface="Kanit Light" panose="00000400000000000000" pitchFamily="2" charset="-34"/>
-              </a:rPr>
-              <a:t>ทดสอบระบบ</a:t>
-            </a:r>
-          </a:p>
-        </p:txBody>
-      </p:sp>
-      <p:sp>
-        <p:nvSpPr>
-          <p:cNvPr id="30" name="สี่เหลี่ยมผืนผ้า: มุมมน 29">
-            <a:extLst>
-              <a:ext uri="{FF2B5EF4-FFF2-40B4-BE49-F238E27FC236}">
-                <a16:creationId xmlns:a16="http://schemas.microsoft.com/office/drawing/2014/main" id="{AA8F6617-E12D-4E66-A7E1-C715BEBD5FA8}"/>
-              </a:ext>
-            </a:extLst>
-          </p:cNvPr>
-          <p:cNvSpPr/>
-          <p:nvPr/>
-        </p:nvSpPr>
-        <p:spPr>
-          <a:xfrm>
-            <a:off x="2250831" y="34680227"/>
-            <a:ext cx="5310554" cy="1090246"/>
-          </a:xfrm>
-          <a:prstGeom prst="roundRect">
-            <a:avLst/>
-          </a:prstGeom>
-          <a:solidFill>
-            <a:schemeClr val="bg1"/>
-          </a:solidFill>
-          <a:ln>
-            <a:solidFill>
-              <a:schemeClr val="bg1">
-                <a:lumMod val="95000"/>
-              </a:schemeClr>
-            </a:solidFill>
-          </a:ln>
-          <a:effectLst>
-            <a:outerShdw blurRad="50800" dist="38100" dir="5400000" algn="t" rotWithShape="0">
-              <a:prstClr val="black">
-                <a:alpha val="40000"/>
-              </a:prstClr>
-            </a:outerShdw>
-          </a:effectLst>
-        </p:spPr>
-        <p:txBody>
-          <a:bodyPr vert="horz" lIns="0" tIns="0" rIns="0" bIns="0" rtlCol="0" anchor="ctr">
-            <a:noAutofit/>
-          </a:bodyPr>
-          <a:lstStyle/>
-          <a:p>
-            <a:pPr algn="ctr" fontAlgn="base">
-              <a:lnSpc>
-                <a:spcPct val="115000"/>
-              </a:lnSpc>
-              <a:spcAft>
-                <a:spcPts val="1000"/>
-              </a:spcAft>
-              <a:tabLst>
-                <a:tab pos="1436688" algn="l"/>
-              </a:tabLst>
-            </a:pPr>
-            <a:r>
-              <a:rPr lang="th-TH" sz="3600" dirty="0">
-                <a:latin typeface="Kanit Light" panose="00000400000000000000" pitchFamily="2" charset="-34"/>
-                <a:ea typeface="+mj-ea"/>
-                <a:cs typeface="Kanit Light" panose="00000400000000000000" pitchFamily="2" charset="-34"/>
-              </a:rPr>
-              <a:t>การแจกจ่าย</a:t>
-            </a:r>
-          </a:p>
-        </p:txBody>
-      </p:sp>
-      <p:sp>
-        <p:nvSpPr>
-          <p:cNvPr id="31" name="สี่เหลี่ยมผืนผ้า: มุมมน 30">
-            <a:extLst>
-              <a:ext uri="{FF2B5EF4-FFF2-40B4-BE49-F238E27FC236}">
-                <a16:creationId xmlns:a16="http://schemas.microsoft.com/office/drawing/2014/main" id="{5B3F35F2-B7A5-4C93-AB62-95FA413041A0}"/>
-              </a:ext>
-            </a:extLst>
-          </p:cNvPr>
-          <p:cNvSpPr/>
-          <p:nvPr/>
-        </p:nvSpPr>
-        <p:spPr>
-          <a:xfrm>
-            <a:off x="2250831" y="35876382"/>
-            <a:ext cx="5310554" cy="1090246"/>
-          </a:xfrm>
-          <a:prstGeom prst="roundRect">
-            <a:avLst/>
-          </a:prstGeom>
-          <a:solidFill>
-            <a:schemeClr val="bg1"/>
-          </a:solidFill>
-          <a:ln>
-            <a:solidFill>
-              <a:schemeClr val="bg1">
-                <a:lumMod val="95000"/>
-              </a:schemeClr>
-            </a:solidFill>
-          </a:ln>
-          <a:effectLst>
-            <a:outerShdw blurRad="50800" dist="38100" dir="5400000" algn="t" rotWithShape="0">
-              <a:prstClr val="black">
-                <a:alpha val="40000"/>
-              </a:prstClr>
-            </a:outerShdw>
-          </a:effectLst>
-        </p:spPr>
-        <p:txBody>
-          <a:bodyPr vert="horz" lIns="0" tIns="0" rIns="0" bIns="0" rtlCol="0" anchor="ctr">
-            <a:noAutofit/>
-          </a:bodyPr>
-          <a:lstStyle/>
-          <a:p>
-            <a:pPr algn="ctr" fontAlgn="base">
-              <a:lnSpc>
-                <a:spcPct val="115000"/>
-              </a:lnSpc>
-              <a:spcAft>
-                <a:spcPts val="1000"/>
-              </a:spcAft>
-              <a:tabLst>
-                <a:tab pos="1436688" algn="l"/>
-              </a:tabLst>
-            </a:pPr>
-            <a:r>
-              <a:rPr lang="th-TH" sz="3600" dirty="0">
-                <a:latin typeface="Kanit Light" panose="00000400000000000000" pitchFamily="2" charset="-34"/>
-                <a:ea typeface="+mj-ea"/>
-                <a:cs typeface="Kanit Light" panose="00000400000000000000" pitchFamily="2" charset="-34"/>
-              </a:rPr>
-              <a:t>การดูแลรักษา</a:t>
-            </a:r>
-          </a:p>
-        </p:txBody>
-      </p:sp>
-      <p:sp>
-        <p:nvSpPr>
           <p:cNvPr id="35" name="ชื่อเรื่อง 1">
             <a:extLst>
               <a:ext uri="{FF2B5EF4-FFF2-40B4-BE49-F238E27FC236}">
@@ -4776,7 +4283,7 @@
         </p:nvSpPr>
         <p:spPr>
           <a:xfrm>
-            <a:off x="1799997" y="28161911"/>
+            <a:off x="1799996" y="28279215"/>
             <a:ext cx="6278523" cy="1614075"/>
           </a:xfrm>
           <a:prstGeom prst="roundRect">
@@ -4832,72 +4339,6 @@
                 <a:cs typeface="Kanit Light" panose="00000400000000000000" pitchFamily="2" charset="-34"/>
               </a:rPr>
               <a:t>วิธีการดำเนินงาน</a:t>
-            </a:r>
-          </a:p>
-        </p:txBody>
-      </p:sp>
-      <p:sp>
-        <p:nvSpPr>
-          <p:cNvPr id="3" name="สี่เหลี่ยมผืนผ้า 2">
-            <a:extLst>
-              <a:ext uri="{FF2B5EF4-FFF2-40B4-BE49-F238E27FC236}">
-                <a16:creationId xmlns:a16="http://schemas.microsoft.com/office/drawing/2014/main" id="{594CD57D-AB2A-48A7-8129-7C4E3F9A095A}"/>
-              </a:ext>
-            </a:extLst>
-          </p:cNvPr>
-          <p:cNvSpPr/>
-          <p:nvPr/>
-        </p:nvSpPr>
-        <p:spPr>
-          <a:xfrm>
-            <a:off x="1799996" y="15476144"/>
-            <a:ext cx="14039645" cy="7478970"/>
-          </a:xfrm>
-          <a:prstGeom prst="rect">
-            <a:avLst/>
-          </a:prstGeom>
-        </p:spPr>
-        <p:txBody>
-          <a:bodyPr wrap="square">
-            <a:spAutoFit/>
-          </a:bodyPr>
-          <a:lstStyle/>
-          <a:p>
-            <a:pPr algn="ctr"/>
-            <a:r>
-              <a:rPr lang="th-TH" sz="4000" dirty="0">
-                <a:latin typeface="Kanit Light" panose="00000400000000000000" pitchFamily="2" charset="-34"/>
-                <a:cs typeface="Kanit Light" panose="00000400000000000000" pitchFamily="2" charset="-34"/>
-              </a:rPr>
-              <a:t>ในโรงเรียนหรือสถานศึกษาที่มีขนาดใหญ่ เมื่อมีธุระสำคัญที่จะต้องตามหาอาจารย์เป็นการฉุกเฉิน มักจะมีความยุ่งยากเกิดขึ้น เนื่องจากในขณะที่ตามหา อาจารย์อาจจะกำลังสอนนักเรียนห้องอื่นอยู่ ข้อมูลเหล่านี้ไม่สามารถหาได้จากตารางเรียนปกติ คณะผู้วิจัยจึงได้คิดวิธีแก้ปัญหานี้โดยการพัฒนาแอปพลิเคชัน “</a:t>
-            </a:r>
-            <a:r>
-              <a:rPr lang="en-US" sz="4000" dirty="0">
-                <a:latin typeface="Kanit Light" panose="00000400000000000000" pitchFamily="2" charset="-34"/>
-                <a:cs typeface="Kanit Light" panose="00000400000000000000" pitchFamily="2" charset="-34"/>
-              </a:rPr>
-              <a:t>Teacher Finder“</a:t>
-            </a:r>
-            <a:r>
-              <a:rPr lang="th-TH" sz="4000" dirty="0">
-                <a:latin typeface="Kanit Light" panose="00000400000000000000" pitchFamily="2" charset="-34"/>
-                <a:cs typeface="Kanit Light" panose="00000400000000000000" pitchFamily="2" charset="-34"/>
-              </a:rPr>
-              <a:t> บนระบบปฏิบัติการ </a:t>
-            </a:r>
-            <a:r>
-              <a:rPr lang="en-US" sz="4000" dirty="0">
-                <a:latin typeface="Kanit Light" panose="00000400000000000000" pitchFamily="2" charset="-34"/>
-                <a:cs typeface="Kanit Light" panose="00000400000000000000" pitchFamily="2" charset="-34"/>
-              </a:rPr>
-              <a:t>Android </a:t>
-            </a:r>
-            <a:r>
-              <a:rPr lang="th-TH" sz="4000" dirty="0">
-                <a:latin typeface="Kanit Light" panose="00000400000000000000" pitchFamily="2" charset="-34"/>
-                <a:cs typeface="Kanit Light" panose="00000400000000000000" pitchFamily="2" charset="-34"/>
-              </a:rPr>
-              <a:t>โดยมีลักษณะคล้ายตารางเรียนที่มีข้อมูลระบุสถานที่ที่อาจารย์สอนอยู่ในเวลาต่าง ๆ โดยมีการพัฒนาปรับปรุงจากปัญหาของแอปพลิเคชันตารางเรียนประเภทอื่น ๆ เช่น ข้อมูลสามารถเขียนขึ้นได้เอง มีคุณสมบัติในการรับข้อมูลจากโทรศัพท์เครื่องอื่นแทนการเขียน หรือจะส่งข้อมูลให้โทรศัพท์เครื่องอื่นก็ได้ นอกจากนี้ แอปพลิเคชันยังมีความสวยงาม ใช้งานง่าย รวดเร็ว และเข้าใจได้ง่ายอีกด้วย</a:t>
             </a:r>
           </a:p>
         </p:txBody>
@@ -4983,10 +4424,2216 @@
           </a:p>
         </p:txBody>
       </p:sp>
+      <p:sp>
+        <p:nvSpPr>
+          <p:cNvPr id="49" name="รูปแบบอิสระ: รูปร่าง 48" hidden="1">
+            <a:extLst>
+              <a:ext uri="{FF2B5EF4-FFF2-40B4-BE49-F238E27FC236}">
+                <a16:creationId xmlns:a16="http://schemas.microsoft.com/office/drawing/2014/main" id="{CF03347B-058C-434E-BC04-15057B5256E6}"/>
+              </a:ext>
+            </a:extLst>
+          </p:cNvPr>
+          <p:cNvSpPr/>
+          <p:nvPr/>
+        </p:nvSpPr>
+        <p:spPr>
+          <a:xfrm rot="10800000">
+            <a:off x="7959633" y="31485503"/>
+            <a:ext cx="374921" cy="188014"/>
+          </a:xfrm>
+          <a:custGeom>
+            <a:avLst/>
+            <a:gdLst>
+              <a:gd name="connsiteX0" fmla="*/ 251258 w 502516"/>
+              <a:gd name="connsiteY0" fmla="*/ 0 h 252000"/>
+              <a:gd name="connsiteX1" fmla="*/ 502516 w 502516"/>
+              <a:gd name="connsiteY1" fmla="*/ 251258 h 252000"/>
+              <a:gd name="connsiteX2" fmla="*/ 502441 w 502516"/>
+              <a:gd name="connsiteY2" fmla="*/ 252000 h 252000"/>
+              <a:gd name="connsiteX3" fmla="*/ 75 w 502516"/>
+              <a:gd name="connsiteY3" fmla="*/ 252000 h 252000"/>
+              <a:gd name="connsiteX4" fmla="*/ 0 w 502516"/>
+              <a:gd name="connsiteY4" fmla="*/ 251258 h 252000"/>
+              <a:gd name="connsiteX5" fmla="*/ 251258 w 502516"/>
+              <a:gd name="connsiteY5" fmla="*/ 0 h 252000"/>
+            </a:gdLst>
+            <a:ahLst/>
+            <a:cxnLst>
+              <a:cxn ang="0">
+                <a:pos x="connsiteX0" y="connsiteY0"/>
+              </a:cxn>
+              <a:cxn ang="0">
+                <a:pos x="connsiteX1" y="connsiteY1"/>
+              </a:cxn>
+              <a:cxn ang="0">
+                <a:pos x="connsiteX2" y="connsiteY2"/>
+              </a:cxn>
+              <a:cxn ang="0">
+                <a:pos x="connsiteX3" y="connsiteY3"/>
+              </a:cxn>
+              <a:cxn ang="0">
+                <a:pos x="connsiteX4" y="connsiteY4"/>
+              </a:cxn>
+              <a:cxn ang="0">
+                <a:pos x="connsiteX5" y="connsiteY5"/>
+              </a:cxn>
+            </a:cxnLst>
+            <a:rect l="l" t="t" r="r" b="b"/>
+            <a:pathLst>
+              <a:path w="502516" h="252000">
+                <a:moveTo>
+                  <a:pt x="251258" y="0"/>
+                </a:moveTo>
+                <a:cubicBezTo>
+                  <a:pt x="390024" y="0"/>
+                  <a:pt x="502516" y="112492"/>
+                  <a:pt x="502516" y="251258"/>
+                </a:cubicBezTo>
+                <a:lnTo>
+                  <a:pt x="502441" y="252000"/>
+                </a:lnTo>
+                <a:lnTo>
+                  <a:pt x="75" y="252000"/>
+                </a:lnTo>
+                <a:lnTo>
+                  <a:pt x="0" y="251258"/>
+                </a:lnTo>
+                <a:cubicBezTo>
+                  <a:pt x="0" y="112492"/>
+                  <a:pt x="112492" y="0"/>
+                  <a:pt x="251258" y="0"/>
+                </a:cubicBezTo>
+                <a:close/>
+              </a:path>
+            </a:pathLst>
+          </a:custGeom>
+          <a:solidFill>
+            <a:srgbClr val="00B0F0"/>
+          </a:solidFill>
+          <a:ln>
+            <a:noFill/>
+          </a:ln>
+        </p:spPr>
+        <p:style>
+          <a:lnRef idx="2">
+            <a:schemeClr val="accent1">
+              <a:shade val="50000"/>
+            </a:schemeClr>
+          </a:lnRef>
+          <a:fillRef idx="1">
+            <a:schemeClr val="accent1"/>
+          </a:fillRef>
+          <a:effectRef idx="0">
+            <a:schemeClr val="accent1"/>
+          </a:effectRef>
+          <a:fontRef idx="minor">
+            <a:schemeClr val="lt1"/>
+          </a:fontRef>
+        </p:style>
+        <p:txBody>
+          <a:bodyPr rtlCol="0" anchor="ctr"/>
+          <a:lstStyle/>
+          <a:p>
+            <a:pPr algn="ctr"/>
+            <a:endParaRPr lang="th-TH"/>
+          </a:p>
+        </p:txBody>
+      </p:sp>
+      <p:sp>
+        <p:nvSpPr>
+          <p:cNvPr id="21" name="ชื่อเรื่อง 1">
+            <a:extLst>
+              <a:ext uri="{FF2B5EF4-FFF2-40B4-BE49-F238E27FC236}">
+                <a16:creationId xmlns:a16="http://schemas.microsoft.com/office/drawing/2014/main" id="{73413B9D-3859-4A41-8872-3F69833AD57A}"/>
+              </a:ext>
+            </a:extLst>
+          </p:cNvPr>
+          <p:cNvSpPr txBox="1">
+            <a:spLocks/>
+          </p:cNvSpPr>
+          <p:nvPr/>
+        </p:nvSpPr>
+        <p:spPr>
+          <a:xfrm>
+            <a:off x="1799996" y="12920089"/>
+            <a:ext cx="14039645" cy="8680230"/>
+          </a:xfrm>
+          <a:prstGeom prst="roundRect">
+            <a:avLst>
+              <a:gd name="adj" fmla="val 2022"/>
+            </a:avLst>
+          </a:prstGeom>
+          <a:solidFill>
+            <a:schemeClr val="bg1"/>
+          </a:solidFill>
+          <a:ln>
+            <a:solidFill>
+              <a:schemeClr val="bg1">
+                <a:lumMod val="95000"/>
+              </a:schemeClr>
+            </a:solidFill>
+          </a:ln>
+          <a:effectLst>
+            <a:outerShdw blurRad="50800" dist="38100" dir="5400000" algn="t" rotWithShape="0">
+              <a:prstClr val="black">
+                <a:alpha val="40000"/>
+              </a:prstClr>
+            </a:outerShdw>
+          </a:effectLst>
+        </p:spPr>
+        <p:txBody>
+          <a:bodyPr vert="horz" lIns="274320" tIns="274320" rIns="274320" bIns="274320" rtlCol="0" anchor="t">
+            <a:noAutofit/>
+          </a:bodyPr>
+          <a:lstStyle>
+            <a:lvl1pPr algn="ctr" defTabSz="3239902" rtl="0" eaLnBrk="1" latinLnBrk="0" hangingPunct="1">
+              <a:lnSpc>
+                <a:spcPct val="90000"/>
+              </a:lnSpc>
+              <a:spcBef>
+                <a:spcPct val="0"/>
+              </a:spcBef>
+              <a:buNone/>
+              <a:defRPr sz="21259" kern="1200">
+                <a:solidFill>
+                  <a:schemeClr val="tx1"/>
+                </a:solidFill>
+                <a:latin typeface="+mj-lt"/>
+                <a:ea typeface="+mj-ea"/>
+                <a:cs typeface="+mj-cs"/>
+              </a:defRPr>
+            </a:lvl1pPr>
+          </a:lstStyle>
+          <a:p>
+            <a:pPr algn="thaiDist" defTabSz="457200" fontAlgn="base">
+              <a:lnSpc>
+                <a:spcPct val="115000"/>
+              </a:lnSpc>
+              <a:spcBef>
+                <a:spcPts val="0"/>
+              </a:spcBef>
+              <a:spcAft>
+                <a:spcPts val="1000"/>
+              </a:spcAft>
+              <a:tabLst>
+                <a:tab pos="1436688" algn="l"/>
+              </a:tabLst>
+            </a:pPr>
+            <a:r>
+              <a:rPr lang="th-TH" sz="5400" dirty="0">
+                <a:latin typeface="Kanit Light" panose="00000400000000000000" pitchFamily="2" charset="-34"/>
+                <a:cs typeface="Kanit Light" panose="00000400000000000000" pitchFamily="2" charset="-34"/>
+              </a:rPr>
+              <a:t>บทนำ</a:t>
+            </a:r>
+          </a:p>
+          <a:p>
+            <a:pPr algn="thaiDist" defTabSz="457200" fontAlgn="base">
+              <a:lnSpc>
+                <a:spcPct val="115000"/>
+              </a:lnSpc>
+              <a:spcBef>
+                <a:spcPts val="0"/>
+              </a:spcBef>
+              <a:spcAft>
+                <a:spcPts val="1000"/>
+              </a:spcAft>
+              <a:tabLst>
+                <a:tab pos="1436688" algn="l"/>
+              </a:tabLst>
+            </a:pPr>
+            <a:r>
+              <a:rPr lang="th-TH" sz="4000" dirty="0">
+                <a:solidFill>
+                  <a:srgbClr val="000000"/>
+                </a:solidFill>
+                <a:latin typeface="Kanit Light" panose="00000400000000000000" pitchFamily="2" charset="-34"/>
+                <a:ea typeface="+mn-ea"/>
+                <a:cs typeface="Kanit Light" panose="00000400000000000000" pitchFamily="2" charset="-34"/>
+              </a:rPr>
+              <a:t>	</a:t>
+            </a:r>
+            <a:r>
+              <a:rPr lang="th-TH" sz="3600" dirty="0">
+                <a:latin typeface="Kanit Light" panose="00000400000000000000" pitchFamily="2" charset="-34"/>
+                <a:cs typeface="Kanit Light" panose="00000400000000000000" pitchFamily="2" charset="-34"/>
+              </a:rPr>
+              <a:t>ในโรงเรียนหรือสถานศึกษาที่มีขนาดใหญ่ เมื่อมีธุระสำคัญที่จะต้องตามหาอาจารย์เป็นการฉุกเฉิน มักจะมีความยุ่งยากเกิดขึ้น เนื่องจากในขณะที่ตามหา อาจารย์อาจจะกำลังสอนนักเรียนห้องอื่นอยู่ ข้อมูลเหล่านี้ไม่สามารถหาได้จากตารางเรียนปกติ คณะผู้วิจัยจึงได้คิดวิธีแก้ปัญหานี้โดยการพัฒนาแอปพลิเคชัน “</a:t>
+            </a:r>
+            <a:r>
+              <a:rPr lang="en-US" sz="3600" dirty="0">
+                <a:latin typeface="Kanit Light" panose="00000400000000000000" pitchFamily="2" charset="-34"/>
+                <a:cs typeface="Kanit Light" panose="00000400000000000000" pitchFamily="2" charset="-34"/>
+              </a:rPr>
+              <a:t>Teacher</a:t>
+            </a:r>
+            <a:r>
+              <a:rPr lang="th-TH" sz="3600" dirty="0">
+                <a:latin typeface="Kanit Light" panose="00000400000000000000" pitchFamily="2" charset="-34"/>
+                <a:cs typeface="Kanit Light" panose="00000400000000000000" pitchFamily="2" charset="-34"/>
+              </a:rPr>
+              <a:t> </a:t>
+            </a:r>
+            <a:r>
+              <a:rPr lang="en-US" sz="3600" dirty="0">
+                <a:latin typeface="Kanit Light" panose="00000400000000000000" pitchFamily="2" charset="-34"/>
+                <a:cs typeface="Kanit Light" panose="00000400000000000000" pitchFamily="2" charset="-34"/>
+              </a:rPr>
+              <a:t>Finder“</a:t>
+            </a:r>
+            <a:r>
+              <a:rPr lang="th-TH" sz="3600" dirty="0">
+                <a:latin typeface="Kanit Light" panose="00000400000000000000" pitchFamily="2" charset="-34"/>
+                <a:cs typeface="Kanit Light" panose="00000400000000000000" pitchFamily="2" charset="-34"/>
+              </a:rPr>
+              <a:t> บนระบบปฏิบัติการ </a:t>
+            </a:r>
+            <a:r>
+              <a:rPr lang="en-US" sz="3600" dirty="0">
+                <a:latin typeface="Kanit Light" panose="00000400000000000000" pitchFamily="2" charset="-34"/>
+                <a:cs typeface="Kanit Light" panose="00000400000000000000" pitchFamily="2" charset="-34"/>
+              </a:rPr>
+              <a:t>Android</a:t>
+            </a:r>
+            <a:r>
+              <a:rPr lang="th-TH" sz="3600" dirty="0">
+                <a:latin typeface="Kanit Light" panose="00000400000000000000" pitchFamily="2" charset="-34"/>
+                <a:cs typeface="Kanit Light" panose="00000400000000000000" pitchFamily="2" charset="-34"/>
+              </a:rPr>
+              <a:t> โดยมีลักษณะคล้ายตารางเรียนที่มีข้อมูลระบุสถานที่ที่อาจารย์สอนอยู่ในเวลาต่าง ๆ โดยมีการพัฒนาปรับปรุงจากปัญหาของแอปพลิเคชันตารางเรียนประเภทอื่น ๆ เช่น ข้อมูลสามารถเขียนขึ้นได้เอง มีคุณสมบัติในการรับข้อมูลจากโทรศัพท์เครื่องอื่นแทนการเขียนหรือจะส่งข้อมูลให้โทรศัพท์เครื่องอื่นก็ได้ นอกจากนี้แอปพลิเคชันยังมีความสวยงาม ใช้งานง่าย รวดเร็ว และเข้าใจได้ง่ายอีกด้วย</a:t>
+            </a:r>
+            <a:endParaRPr lang="th-TH" sz="5400" dirty="0">
+              <a:latin typeface="Kanit Light" panose="00000400000000000000" pitchFamily="2" charset="-34"/>
+              <a:cs typeface="Kanit Light" panose="00000400000000000000" pitchFamily="2" charset="-34"/>
+            </a:endParaRPr>
+          </a:p>
+        </p:txBody>
+      </p:sp>
+      <p:sp>
+        <p:nvSpPr>
+          <p:cNvPr id="23" name="สี่เหลี่ยมผืนผ้า 22">
+            <a:extLst>
+              <a:ext uri="{FF2B5EF4-FFF2-40B4-BE49-F238E27FC236}">
+                <a16:creationId xmlns:a16="http://schemas.microsoft.com/office/drawing/2014/main" id="{A41AAF38-7B1A-4D38-8C91-7EDEF8F1BBE7}"/>
+              </a:ext>
+            </a:extLst>
+          </p:cNvPr>
+          <p:cNvSpPr/>
+          <p:nvPr/>
+        </p:nvSpPr>
+        <p:spPr>
+          <a:xfrm>
+            <a:off x="1802407" y="22800858"/>
+            <a:ext cx="180000" cy="180000"/>
+          </a:xfrm>
+          <a:prstGeom prst="rect">
+            <a:avLst/>
+          </a:prstGeom>
+        </p:spPr>
+        <p:style>
+          <a:lnRef idx="2">
+            <a:schemeClr val="accent1">
+              <a:shade val="50000"/>
+            </a:schemeClr>
+          </a:lnRef>
+          <a:fillRef idx="1">
+            <a:schemeClr val="accent1"/>
+          </a:fillRef>
+          <a:effectRef idx="0">
+            <a:schemeClr val="accent1"/>
+          </a:effectRef>
+          <a:fontRef idx="minor">
+            <a:schemeClr val="lt1"/>
+          </a:fontRef>
+        </p:style>
+        <p:txBody>
+          <a:bodyPr rtlCol="0" anchor="ctr"/>
+          <a:lstStyle/>
+          <a:p>
+            <a:pPr algn="ctr"/>
+            <a:endParaRPr lang="th-TH"/>
+          </a:p>
+        </p:txBody>
+      </p:sp>
+      <p:sp>
+        <p:nvSpPr>
+          <p:cNvPr id="24" name="สี่เหลี่ยมผืนผ้า 23">
+            <a:extLst>
+              <a:ext uri="{FF2B5EF4-FFF2-40B4-BE49-F238E27FC236}">
+                <a16:creationId xmlns:a16="http://schemas.microsoft.com/office/drawing/2014/main" id="{B3AC4471-7882-4D24-B392-737ECED00478}"/>
+              </a:ext>
+            </a:extLst>
+          </p:cNvPr>
+          <p:cNvSpPr/>
+          <p:nvPr/>
+        </p:nvSpPr>
+        <p:spPr>
+          <a:xfrm>
+            <a:off x="1799996" y="12920565"/>
+            <a:ext cx="180000" cy="180000"/>
+          </a:xfrm>
+          <a:prstGeom prst="rect">
+            <a:avLst/>
+          </a:prstGeom>
+        </p:spPr>
+        <p:style>
+          <a:lnRef idx="2">
+            <a:schemeClr val="accent1">
+              <a:shade val="50000"/>
+            </a:schemeClr>
+          </a:lnRef>
+          <a:fillRef idx="1">
+            <a:schemeClr val="accent1"/>
+          </a:fillRef>
+          <a:effectRef idx="0">
+            <a:schemeClr val="accent1"/>
+          </a:effectRef>
+          <a:fontRef idx="minor">
+            <a:schemeClr val="lt1"/>
+          </a:fontRef>
+        </p:style>
+        <p:txBody>
+          <a:bodyPr rtlCol="0" anchor="ctr"/>
+          <a:lstStyle/>
+          <a:p>
+            <a:pPr algn="ctr"/>
+            <a:endParaRPr lang="th-TH"/>
+          </a:p>
+        </p:txBody>
+      </p:sp>
     </p:spTree>
     <p:extLst>
       <p:ext uri="{BB962C8B-B14F-4D97-AF65-F5344CB8AC3E}">
         <p14:creationId xmlns:p14="http://schemas.microsoft.com/office/powerpoint/2010/main" val="1630415810"/>
+      </p:ext>
+    </p:extLst>
+  </p:cSld>
+  <p:clrMapOvr>
+    <a:masterClrMapping/>
+  </p:clrMapOvr>
+</p:sld>
+</file>
+
+<file path=ppt/slides/slide2.xml><?xml version="1.0" encoding="utf-8"?>
+<p:sld xmlns:a="http://schemas.openxmlformats.org/drawingml/2006/main" xmlns:r="http://schemas.openxmlformats.org/officeDocument/2006/relationships" xmlns:p="http://schemas.openxmlformats.org/presentationml/2006/main">
+  <p:cSld>
+    <p:bg>
+      <p:bgPr>
+        <a:solidFill>
+          <a:schemeClr val="bg1">
+            <a:lumMod val="85000"/>
+          </a:schemeClr>
+        </a:solidFill>
+        <a:effectLst/>
+      </p:bgPr>
+    </p:bg>
+    <p:spTree>
+      <p:nvGrpSpPr>
+        <p:cNvPr id="1" name=""/>
+        <p:cNvGrpSpPr/>
+        <p:nvPr/>
+      </p:nvGrpSpPr>
+      <p:grpSpPr>
+        <a:xfrm>
+          <a:off x="0" y="0"/>
+          <a:ext cx="0" cy="0"/>
+          <a:chOff x="0" y="0"/>
+          <a:chExt cx="0" cy="0"/>
+        </a:xfrm>
+      </p:grpSpPr>
+      <p:sp>
+        <p:nvSpPr>
+          <p:cNvPr id="4" name="สี่เหลี่ยมผืนผ้า: มุมมน 3">
+            <a:extLst>
+              <a:ext uri="{FF2B5EF4-FFF2-40B4-BE49-F238E27FC236}">
+                <a16:creationId xmlns:a16="http://schemas.microsoft.com/office/drawing/2014/main" id="{AF7B14C3-40B1-440A-9596-754051B1CEBE}"/>
+              </a:ext>
+            </a:extLst>
+          </p:cNvPr>
+          <p:cNvSpPr/>
+          <p:nvPr/>
+        </p:nvSpPr>
+        <p:spPr>
+          <a:xfrm>
+            <a:off x="3448995" y="33162964"/>
+            <a:ext cx="5310554" cy="1188000"/>
+          </a:xfrm>
+          <a:prstGeom prst="roundRect">
+            <a:avLst/>
+          </a:prstGeom>
+          <a:solidFill>
+            <a:schemeClr val="bg1"/>
+          </a:solidFill>
+          <a:ln>
+            <a:solidFill>
+              <a:schemeClr val="bg1">
+                <a:lumMod val="95000"/>
+              </a:schemeClr>
+            </a:solidFill>
+          </a:ln>
+          <a:effectLst>
+            <a:outerShdw blurRad="50800" dist="38100" dir="5400000" algn="t" rotWithShape="0">
+              <a:prstClr val="black">
+                <a:alpha val="40000"/>
+              </a:prstClr>
+            </a:outerShdw>
+          </a:effectLst>
+        </p:spPr>
+        <p:txBody>
+          <a:bodyPr vert="horz" lIns="0" tIns="0" rIns="0" bIns="0" rtlCol="0" anchor="ctr">
+            <a:noAutofit/>
+          </a:bodyPr>
+          <a:lstStyle/>
+          <a:p>
+            <a:pPr algn="ctr" fontAlgn="base">
+              <a:lnSpc>
+                <a:spcPct val="115000"/>
+              </a:lnSpc>
+              <a:spcAft>
+                <a:spcPts val="1000"/>
+              </a:spcAft>
+              <a:tabLst>
+                <a:tab pos="1436688" algn="l"/>
+              </a:tabLst>
+            </a:pPr>
+            <a:r>
+              <a:rPr lang="th-TH" sz="4000" dirty="0">
+                <a:latin typeface="Kanit Light" panose="00000400000000000000" pitchFamily="2" charset="-34"/>
+                <a:ea typeface="+mj-ea"/>
+                <a:cs typeface="Kanit Light" panose="00000400000000000000" pitchFamily="2" charset="-34"/>
+              </a:rPr>
+              <a:t>การดำเนินงาน</a:t>
+            </a:r>
+          </a:p>
+        </p:txBody>
+      </p:sp>
+      <p:sp>
+        <p:nvSpPr>
+          <p:cNvPr id="5" name="สี่เหลี่ยมผืนผ้า: มุมมน 4">
+            <a:extLst>
+              <a:ext uri="{FF2B5EF4-FFF2-40B4-BE49-F238E27FC236}">
+                <a16:creationId xmlns:a16="http://schemas.microsoft.com/office/drawing/2014/main" id="{1CC75170-77F2-43EC-8B47-3869E83B4CA7}"/>
+              </a:ext>
+            </a:extLst>
+          </p:cNvPr>
+          <p:cNvSpPr/>
+          <p:nvPr/>
+        </p:nvSpPr>
+        <p:spPr>
+          <a:xfrm>
+            <a:off x="3848953" y="34648855"/>
+            <a:ext cx="5310554" cy="1188000"/>
+          </a:xfrm>
+          <a:prstGeom prst="roundRect">
+            <a:avLst/>
+          </a:prstGeom>
+          <a:solidFill>
+            <a:schemeClr val="bg1"/>
+          </a:solidFill>
+          <a:ln>
+            <a:solidFill>
+              <a:schemeClr val="bg1">
+                <a:lumMod val="95000"/>
+              </a:schemeClr>
+            </a:solidFill>
+          </a:ln>
+          <a:effectLst>
+            <a:outerShdw blurRad="50800" dist="38100" dir="5400000" algn="t" rotWithShape="0">
+              <a:prstClr val="black">
+                <a:alpha val="40000"/>
+              </a:prstClr>
+            </a:outerShdw>
+          </a:effectLst>
+        </p:spPr>
+        <p:txBody>
+          <a:bodyPr vert="horz" lIns="0" tIns="0" rIns="0" bIns="0" rtlCol="0" anchor="ctr">
+            <a:noAutofit/>
+          </a:bodyPr>
+          <a:lstStyle/>
+          <a:p>
+            <a:pPr algn="ctr" fontAlgn="base">
+              <a:lnSpc>
+                <a:spcPct val="115000"/>
+              </a:lnSpc>
+              <a:spcAft>
+                <a:spcPts val="1000"/>
+              </a:spcAft>
+              <a:tabLst>
+                <a:tab pos="1436688" algn="l"/>
+              </a:tabLst>
+            </a:pPr>
+            <a:r>
+              <a:rPr lang="th-TH" sz="4000" dirty="0">
+                <a:latin typeface="Kanit Light" panose="00000400000000000000" pitchFamily="2" charset="-34"/>
+                <a:ea typeface="+mj-ea"/>
+                <a:cs typeface="Kanit Light" panose="00000400000000000000" pitchFamily="2" charset="-34"/>
+              </a:rPr>
+              <a:t>ทดสอบระบบ</a:t>
+            </a:r>
+          </a:p>
+        </p:txBody>
+      </p:sp>
+      <p:sp>
+        <p:nvSpPr>
+          <p:cNvPr id="6" name="สี่เหลี่ยมผืนผ้า: มุมมน 5">
+            <a:extLst>
+              <a:ext uri="{FF2B5EF4-FFF2-40B4-BE49-F238E27FC236}">
+                <a16:creationId xmlns:a16="http://schemas.microsoft.com/office/drawing/2014/main" id="{65F7C346-59AE-4EDB-A523-68DA6C870747}"/>
+              </a:ext>
+            </a:extLst>
+          </p:cNvPr>
+          <p:cNvSpPr/>
+          <p:nvPr/>
+        </p:nvSpPr>
+        <p:spPr>
+          <a:xfrm>
+            <a:off x="4248911" y="36134746"/>
+            <a:ext cx="5310554" cy="1188000"/>
+          </a:xfrm>
+          <a:prstGeom prst="roundRect">
+            <a:avLst/>
+          </a:prstGeom>
+          <a:solidFill>
+            <a:schemeClr val="bg1"/>
+          </a:solidFill>
+          <a:ln>
+            <a:solidFill>
+              <a:schemeClr val="bg1">
+                <a:lumMod val="95000"/>
+              </a:schemeClr>
+            </a:solidFill>
+          </a:ln>
+          <a:effectLst>
+            <a:outerShdw blurRad="50800" dist="38100" dir="5400000" algn="t" rotWithShape="0">
+              <a:prstClr val="black">
+                <a:alpha val="40000"/>
+              </a:prstClr>
+            </a:outerShdw>
+          </a:effectLst>
+        </p:spPr>
+        <p:txBody>
+          <a:bodyPr vert="horz" lIns="0" tIns="0" rIns="0" bIns="0" rtlCol="0" anchor="ctr">
+            <a:noAutofit/>
+          </a:bodyPr>
+          <a:lstStyle/>
+          <a:p>
+            <a:pPr algn="ctr" fontAlgn="base">
+              <a:lnSpc>
+                <a:spcPct val="115000"/>
+              </a:lnSpc>
+              <a:spcAft>
+                <a:spcPts val="1000"/>
+              </a:spcAft>
+              <a:tabLst>
+                <a:tab pos="1436688" algn="l"/>
+              </a:tabLst>
+            </a:pPr>
+            <a:r>
+              <a:rPr lang="th-TH" sz="4000" dirty="0">
+                <a:latin typeface="Kanit Light" panose="00000400000000000000" pitchFamily="2" charset="-34"/>
+                <a:ea typeface="+mj-ea"/>
+                <a:cs typeface="Kanit Light" panose="00000400000000000000" pitchFamily="2" charset="-34"/>
+              </a:rPr>
+              <a:t>การแจกจ่าย</a:t>
+            </a:r>
+          </a:p>
+        </p:txBody>
+      </p:sp>
+      <p:sp>
+        <p:nvSpPr>
+          <p:cNvPr id="7" name="สี่เหลี่ยมผืนผ้า: มุมมน 6">
+            <a:extLst>
+              <a:ext uri="{FF2B5EF4-FFF2-40B4-BE49-F238E27FC236}">
+                <a16:creationId xmlns:a16="http://schemas.microsoft.com/office/drawing/2014/main" id="{657A3A9C-CEAC-4091-BF7B-2C2641D1D3A1}"/>
+              </a:ext>
+            </a:extLst>
+          </p:cNvPr>
+          <p:cNvSpPr/>
+          <p:nvPr/>
+        </p:nvSpPr>
+        <p:spPr>
+          <a:xfrm>
+            <a:off x="4648871" y="37620638"/>
+            <a:ext cx="5310554" cy="1188000"/>
+          </a:xfrm>
+          <a:prstGeom prst="roundRect">
+            <a:avLst/>
+          </a:prstGeom>
+          <a:solidFill>
+            <a:schemeClr val="bg1"/>
+          </a:solidFill>
+          <a:ln>
+            <a:solidFill>
+              <a:schemeClr val="bg1">
+                <a:lumMod val="95000"/>
+              </a:schemeClr>
+            </a:solidFill>
+          </a:ln>
+          <a:effectLst>
+            <a:outerShdw blurRad="50800" dist="38100" dir="5400000" algn="t" rotWithShape="0">
+              <a:prstClr val="black">
+                <a:alpha val="40000"/>
+              </a:prstClr>
+            </a:outerShdw>
+          </a:effectLst>
+        </p:spPr>
+        <p:txBody>
+          <a:bodyPr vert="horz" lIns="0" tIns="0" rIns="0" bIns="0" rtlCol="0" anchor="ctr">
+            <a:noAutofit/>
+          </a:bodyPr>
+          <a:lstStyle/>
+          <a:p>
+            <a:pPr algn="ctr" fontAlgn="base">
+              <a:lnSpc>
+                <a:spcPct val="115000"/>
+              </a:lnSpc>
+              <a:spcAft>
+                <a:spcPts val="1000"/>
+              </a:spcAft>
+              <a:tabLst>
+                <a:tab pos="1436688" algn="l"/>
+              </a:tabLst>
+            </a:pPr>
+            <a:r>
+              <a:rPr lang="th-TH" sz="4000" dirty="0">
+                <a:latin typeface="Kanit Light" panose="00000400000000000000" pitchFamily="2" charset="-34"/>
+                <a:ea typeface="+mj-ea"/>
+                <a:cs typeface="Kanit Light" panose="00000400000000000000" pitchFamily="2" charset="-34"/>
+              </a:rPr>
+              <a:t>การดูแลรักษา</a:t>
+            </a:r>
+          </a:p>
+        </p:txBody>
+      </p:sp>
+      <p:sp>
+        <p:nvSpPr>
+          <p:cNvPr id="8" name="สี่เหลี่ยมผืนผ้า: มุมมน 7">
+            <a:extLst>
+              <a:ext uri="{FF2B5EF4-FFF2-40B4-BE49-F238E27FC236}">
+                <a16:creationId xmlns:a16="http://schemas.microsoft.com/office/drawing/2014/main" id="{3DFD928A-94EB-4D2E-8F16-9312B8A1F004}"/>
+              </a:ext>
+            </a:extLst>
+          </p:cNvPr>
+          <p:cNvSpPr/>
+          <p:nvPr/>
+        </p:nvSpPr>
+        <p:spPr>
+          <a:xfrm>
+            <a:off x="2649079" y="30191182"/>
+            <a:ext cx="5310554" cy="1188000"/>
+          </a:xfrm>
+          <a:prstGeom prst="roundRect">
+            <a:avLst/>
+          </a:prstGeom>
+          <a:solidFill>
+            <a:schemeClr val="bg1"/>
+          </a:solidFill>
+          <a:ln>
+            <a:solidFill>
+              <a:schemeClr val="bg1">
+                <a:lumMod val="95000"/>
+              </a:schemeClr>
+            </a:solidFill>
+          </a:ln>
+          <a:effectLst>
+            <a:outerShdw blurRad="50800" dist="38100" dir="5400000" algn="t" rotWithShape="0">
+              <a:prstClr val="black">
+                <a:alpha val="40000"/>
+              </a:prstClr>
+            </a:outerShdw>
+          </a:effectLst>
+        </p:spPr>
+        <p:txBody>
+          <a:bodyPr vert="horz" lIns="0" tIns="0" rIns="0" bIns="0" rtlCol="0" anchor="ctr">
+            <a:noAutofit/>
+          </a:bodyPr>
+          <a:lstStyle/>
+          <a:p>
+            <a:pPr algn="ctr" fontAlgn="base">
+              <a:lnSpc>
+                <a:spcPct val="115000"/>
+              </a:lnSpc>
+              <a:spcAft>
+                <a:spcPts val="1000"/>
+              </a:spcAft>
+              <a:tabLst>
+                <a:tab pos="1436688" algn="l"/>
+              </a:tabLst>
+            </a:pPr>
+            <a:r>
+              <a:rPr lang="th-TH" sz="4000" dirty="0">
+                <a:latin typeface="Kanit Light" panose="00000400000000000000" pitchFamily="2" charset="-34"/>
+                <a:ea typeface="+mj-ea"/>
+                <a:cs typeface="Kanit Light" panose="00000400000000000000" pitchFamily="2" charset="-34"/>
+              </a:rPr>
+              <a:t>กำหนดความต้องการ</a:t>
+            </a:r>
+          </a:p>
+        </p:txBody>
+      </p:sp>
+      <p:sp>
+        <p:nvSpPr>
+          <p:cNvPr id="9" name="สี่เหลี่ยมผืนผ้า: มุมมน 8">
+            <a:extLst>
+              <a:ext uri="{FF2B5EF4-FFF2-40B4-BE49-F238E27FC236}">
+                <a16:creationId xmlns:a16="http://schemas.microsoft.com/office/drawing/2014/main" id="{B59BAE49-DD4D-4227-B8F8-4F4ED430CEC7}"/>
+              </a:ext>
+            </a:extLst>
+          </p:cNvPr>
+          <p:cNvSpPr/>
+          <p:nvPr/>
+        </p:nvSpPr>
+        <p:spPr>
+          <a:xfrm>
+            <a:off x="3049037" y="31677073"/>
+            <a:ext cx="5310554" cy="1188000"/>
+          </a:xfrm>
+          <a:prstGeom prst="roundRect">
+            <a:avLst/>
+          </a:prstGeom>
+          <a:solidFill>
+            <a:schemeClr val="bg1"/>
+          </a:solidFill>
+          <a:ln>
+            <a:solidFill>
+              <a:schemeClr val="bg1">
+                <a:lumMod val="95000"/>
+              </a:schemeClr>
+            </a:solidFill>
+          </a:ln>
+          <a:effectLst>
+            <a:outerShdw blurRad="50800" dist="38100" dir="5400000" algn="t" rotWithShape="0">
+              <a:prstClr val="black">
+                <a:alpha val="40000"/>
+              </a:prstClr>
+            </a:outerShdw>
+          </a:effectLst>
+        </p:spPr>
+        <p:txBody>
+          <a:bodyPr vert="horz" lIns="0" tIns="0" rIns="0" bIns="0" rtlCol="0" anchor="ctr">
+            <a:noAutofit/>
+          </a:bodyPr>
+          <a:lstStyle/>
+          <a:p>
+            <a:pPr algn="ctr" fontAlgn="base">
+              <a:lnSpc>
+                <a:spcPct val="115000"/>
+              </a:lnSpc>
+              <a:spcAft>
+                <a:spcPts val="1000"/>
+              </a:spcAft>
+              <a:tabLst>
+                <a:tab pos="1436688" algn="l"/>
+              </a:tabLst>
+            </a:pPr>
+            <a:r>
+              <a:rPr lang="th-TH" sz="4000" dirty="0">
+                <a:latin typeface="Kanit Light" panose="00000400000000000000" pitchFamily="2" charset="-34"/>
+                <a:ea typeface="+mj-ea"/>
+                <a:cs typeface="Kanit Light" panose="00000400000000000000" pitchFamily="2" charset="-34"/>
+              </a:rPr>
+              <a:t>ออกแบบระบบ</a:t>
+            </a:r>
+          </a:p>
+        </p:txBody>
+      </p:sp>
+      <p:sp>
+        <p:nvSpPr>
+          <p:cNvPr id="10" name="w">
+            <a:extLst>
+              <a:ext uri="{FF2B5EF4-FFF2-40B4-BE49-F238E27FC236}">
+                <a16:creationId xmlns:a16="http://schemas.microsoft.com/office/drawing/2014/main" id="{DC093929-7C4F-45D8-9B08-7F3F0F13B399}"/>
+              </a:ext>
+            </a:extLst>
+          </p:cNvPr>
+          <p:cNvSpPr/>
+          <p:nvPr/>
+        </p:nvSpPr>
+        <p:spPr>
+          <a:xfrm>
+            <a:off x="5079633" y="30011182"/>
+            <a:ext cx="2880000" cy="180000"/>
+          </a:xfrm>
+          <a:prstGeom prst="roundRect">
+            <a:avLst>
+              <a:gd name="adj" fmla="val 50000"/>
+            </a:avLst>
+          </a:prstGeom>
+          <a:solidFill>
+            <a:srgbClr val="00B0F0"/>
+          </a:solidFill>
+          <a:ln>
+            <a:noFill/>
+          </a:ln>
+        </p:spPr>
+        <p:style>
+          <a:lnRef idx="2">
+            <a:schemeClr val="accent1">
+              <a:shade val="50000"/>
+            </a:schemeClr>
+          </a:lnRef>
+          <a:fillRef idx="1">
+            <a:schemeClr val="accent1"/>
+          </a:fillRef>
+          <a:effectRef idx="0">
+            <a:schemeClr val="accent1"/>
+          </a:effectRef>
+          <a:fontRef idx="minor">
+            <a:schemeClr val="lt1"/>
+          </a:fontRef>
+        </p:style>
+        <p:txBody>
+          <a:bodyPr rtlCol="0" anchor="ctr"/>
+          <a:lstStyle/>
+          <a:p>
+            <a:pPr algn="ctr"/>
+            <a:endParaRPr lang="th-TH"/>
+          </a:p>
+        </p:txBody>
+      </p:sp>
+      <p:sp>
+        <p:nvSpPr>
+          <p:cNvPr id="11" name="สี่เหลี่ยมผืนผ้า 10">
+            <a:extLst>
+              <a:ext uri="{FF2B5EF4-FFF2-40B4-BE49-F238E27FC236}">
+                <a16:creationId xmlns:a16="http://schemas.microsoft.com/office/drawing/2014/main" id="{39CCA199-3675-4A9D-84EE-BB2207A66C65}"/>
+              </a:ext>
+            </a:extLst>
+          </p:cNvPr>
+          <p:cNvSpPr/>
+          <p:nvPr/>
+        </p:nvSpPr>
+        <p:spPr>
+          <a:xfrm>
+            <a:off x="7959633" y="30007249"/>
+            <a:ext cx="180000" cy="180000"/>
+          </a:xfrm>
+          <a:prstGeom prst="rect">
+            <a:avLst/>
+          </a:prstGeom>
+        </p:spPr>
+        <p:style>
+          <a:lnRef idx="2">
+            <a:schemeClr val="accent1">
+              <a:shade val="50000"/>
+            </a:schemeClr>
+          </a:lnRef>
+          <a:fillRef idx="1">
+            <a:schemeClr val="accent1"/>
+          </a:fillRef>
+          <a:effectRef idx="0">
+            <a:schemeClr val="accent1"/>
+          </a:effectRef>
+          <a:fontRef idx="minor">
+            <a:schemeClr val="lt1"/>
+          </a:fontRef>
+        </p:style>
+        <p:txBody>
+          <a:bodyPr rtlCol="0" anchor="ctr"/>
+          <a:lstStyle/>
+          <a:p>
+            <a:pPr algn="ctr"/>
+            <a:endParaRPr lang="th-TH"/>
+          </a:p>
+        </p:txBody>
+      </p:sp>
+      <p:grpSp>
+        <p:nvGrpSpPr>
+          <p:cNvPr id="32" name="กลุ่ม 31">
+            <a:extLst>
+              <a:ext uri="{FF2B5EF4-FFF2-40B4-BE49-F238E27FC236}">
+                <a16:creationId xmlns:a16="http://schemas.microsoft.com/office/drawing/2014/main" id="{3A9536F8-3C9F-46F3-BEC8-FE733A534C5D}"/>
+              </a:ext>
+            </a:extLst>
+          </p:cNvPr>
+          <p:cNvGrpSpPr/>
+          <p:nvPr/>
+        </p:nvGrpSpPr>
+        <p:grpSpPr>
+          <a:xfrm>
+            <a:off x="14943659" y="19484156"/>
+            <a:ext cx="7731864" cy="3958727"/>
+            <a:chOff x="14943659" y="19484156"/>
+            <a:chExt cx="7731864" cy="3958727"/>
+          </a:xfrm>
+        </p:grpSpPr>
+        <p:pic>
+          <p:nvPicPr>
+            <p:cNvPr id="12" name="รูปภาพ 11">
+              <a:extLst>
+                <a:ext uri="{FF2B5EF4-FFF2-40B4-BE49-F238E27FC236}">
+                  <a16:creationId xmlns:a16="http://schemas.microsoft.com/office/drawing/2014/main" id="{5F61F0DF-6E95-41B4-9890-13EBEA019A1E}"/>
+                </a:ext>
+              </a:extLst>
+            </p:cNvPr>
+            <p:cNvPicPr/>
+            <p:nvPr/>
+          </p:nvPicPr>
+          <p:blipFill rotWithShape="1">
+            <a:blip r:embed="rId2" cstate="print">
+              <a:extLst>
+                <a:ext uri="{28A0092B-C50C-407E-A947-70E740481C1C}">
+                  <a14:useLocalDpi xmlns:a14="http://schemas.microsoft.com/office/drawing/2010/main" val="0"/>
+                </a:ext>
+              </a:extLst>
+            </a:blip>
+            <a:srcRect l="1910" t="47380" r="1783" b="17285"/>
+            <a:stretch/>
+          </p:blipFill>
+          <p:spPr bwMode="auto">
+            <a:xfrm>
+              <a:off x="14951869" y="19675089"/>
+              <a:ext cx="2495550" cy="1628140"/>
+            </a:xfrm>
+            <a:prstGeom prst="rect">
+              <a:avLst/>
+            </a:prstGeom>
+            <a:ln>
+              <a:noFill/>
+            </a:ln>
+            <a:effectLst/>
+            <a:extLst>
+              <a:ext uri="{53640926-AAD7-44D8-BBD7-CCE9431645EC}">
+                <a14:shadowObscured xmlns:a14="http://schemas.microsoft.com/office/drawing/2010/main"/>
+              </a:ext>
+            </a:extLst>
+          </p:spPr>
+        </p:pic>
+        <p:pic>
+          <p:nvPicPr>
+            <p:cNvPr id="13" name="รูปภาพ 12">
+              <a:extLst>
+                <a:ext uri="{FF2B5EF4-FFF2-40B4-BE49-F238E27FC236}">
+                  <a16:creationId xmlns:a16="http://schemas.microsoft.com/office/drawing/2014/main" id="{2D3D2C92-A09D-4A56-B584-3273ADFB696E}"/>
+                </a:ext>
+              </a:extLst>
+            </p:cNvPr>
+            <p:cNvPicPr>
+              <a:picLocks noChangeAspect="1"/>
+            </p:cNvPicPr>
+            <p:nvPr/>
+          </p:nvPicPr>
+          <p:blipFill rotWithShape="1">
+            <a:blip r:embed="rId3">
+              <a:extLst>
+                <a:ext uri="{28A0092B-C50C-407E-A947-70E740481C1C}">
+                  <a14:useLocalDpi xmlns:a14="http://schemas.microsoft.com/office/drawing/2010/main" val="0"/>
+                </a:ext>
+              </a:extLst>
+            </a:blip>
+            <a:srcRect t="12867" b="46132"/>
+            <a:stretch/>
+          </p:blipFill>
+          <p:spPr>
+            <a:xfrm>
+              <a:off x="20179973" y="19484156"/>
+              <a:ext cx="2495550" cy="1819073"/>
+            </a:xfrm>
+            <a:prstGeom prst="rect">
+              <a:avLst/>
+            </a:prstGeom>
+            <a:effectLst/>
+          </p:spPr>
+        </p:pic>
+        <p:pic>
+          <p:nvPicPr>
+            <p:cNvPr id="14" name="Picture 2" descr="https://scontent.fbkk22-2.fna.fbcdn.net/v/t1.15752-9/61572515_2066141683483286_4713353825673543680_n.jpg?_nc_cat=109&amp;_nc_oc=AQnaJpcXGb1pPx_BF4xraQt_ZqtS49jueGjpxA7jRIZOharNpVCHprcjJcNDjLs4V9s&amp;_nc_ht=scontent.fbkk22-2.fna&amp;oh=1f0f394f6e34c7fde52cb22f7da16c15&amp;oe=5D51A3DA">
+              <a:extLst>
+                <a:ext uri="{FF2B5EF4-FFF2-40B4-BE49-F238E27FC236}">
+                  <a16:creationId xmlns:a16="http://schemas.microsoft.com/office/drawing/2014/main" id="{206B9680-3166-4E8B-8FE8-B57886250FED}"/>
+                </a:ext>
+              </a:extLst>
+            </p:cNvPr>
+            <p:cNvPicPr>
+              <a:picLocks noChangeAspect="1" noChangeArrowheads="1"/>
+            </p:cNvPicPr>
+            <p:nvPr/>
+          </p:nvPicPr>
+          <p:blipFill rotWithShape="1">
+            <a:blip r:embed="rId4">
+              <a:extLst>
+                <a:ext uri="{28A0092B-C50C-407E-A947-70E740481C1C}">
+                  <a14:useLocalDpi xmlns:a14="http://schemas.microsoft.com/office/drawing/2010/main" val="0"/>
+                </a:ext>
+              </a:extLst>
+            </a:blip>
+            <a:srcRect t="21528" b="33195"/>
+            <a:stretch/>
+          </p:blipFill>
+          <p:spPr bwMode="auto">
+            <a:xfrm>
+              <a:off x="14943659" y="21431475"/>
+              <a:ext cx="2498834" cy="2011408"/>
+            </a:xfrm>
+            <a:prstGeom prst="rect">
+              <a:avLst/>
+            </a:prstGeom>
+            <a:noFill/>
+            <a:extLst>
+              <a:ext uri="{909E8E84-426E-40DD-AFC4-6F175D3DCCD1}">
+                <a14:hiddenFill xmlns:a14="http://schemas.microsoft.com/office/drawing/2010/main">
+                  <a:solidFill>
+                    <a:srgbClr val="FFFFFF"/>
+                  </a:solidFill>
+                </a14:hiddenFill>
+              </a:ext>
+            </a:extLst>
+          </p:spPr>
+        </p:pic>
+        <p:pic>
+          <p:nvPicPr>
+            <p:cNvPr id="15" name="รูปภาพ 14">
+              <a:extLst>
+                <a:ext uri="{FF2B5EF4-FFF2-40B4-BE49-F238E27FC236}">
+                  <a16:creationId xmlns:a16="http://schemas.microsoft.com/office/drawing/2014/main" id="{625508CB-B556-4E0C-8D9F-57CB89086C11}"/>
+                </a:ext>
+              </a:extLst>
+            </p:cNvPr>
+            <p:cNvPicPr>
+              <a:picLocks noChangeAspect="1"/>
+            </p:cNvPicPr>
+            <p:nvPr/>
+          </p:nvPicPr>
+          <p:blipFill rotWithShape="1">
+            <a:blip r:embed="rId5">
+              <a:extLst>
+                <a:ext uri="{28A0092B-C50C-407E-A947-70E740481C1C}">
+                  <a14:useLocalDpi xmlns:a14="http://schemas.microsoft.com/office/drawing/2010/main" val="0"/>
+                </a:ext>
+              </a:extLst>
+            </a:blip>
+            <a:srcRect t="21965" b="8291"/>
+            <a:stretch/>
+          </p:blipFill>
+          <p:spPr>
+            <a:xfrm>
+              <a:off x="17563458" y="20348684"/>
+              <a:ext cx="2495550" cy="3094199"/>
+            </a:xfrm>
+            <a:prstGeom prst="rect">
+              <a:avLst/>
+            </a:prstGeom>
+          </p:spPr>
+        </p:pic>
+        <p:pic>
+          <p:nvPicPr>
+            <p:cNvPr id="16" name="รูปภาพ 15">
+              <a:extLst>
+                <a:ext uri="{FF2B5EF4-FFF2-40B4-BE49-F238E27FC236}">
+                  <a16:creationId xmlns:a16="http://schemas.microsoft.com/office/drawing/2014/main" id="{2EA5EA2F-690F-49B2-B5A9-9FB7C2CEAE79}"/>
+                </a:ext>
+              </a:extLst>
+            </p:cNvPr>
+            <p:cNvPicPr>
+              <a:picLocks noChangeAspect="1"/>
+            </p:cNvPicPr>
+            <p:nvPr/>
+          </p:nvPicPr>
+          <p:blipFill rotWithShape="1">
+            <a:blip r:embed="rId6">
+              <a:extLst>
+                <a:ext uri="{28A0092B-C50C-407E-A947-70E740481C1C}">
+                  <a14:useLocalDpi xmlns:a14="http://schemas.microsoft.com/office/drawing/2010/main" val="0"/>
+                </a:ext>
+              </a:extLst>
+            </a:blip>
+            <a:srcRect t="21600" b="32800"/>
+            <a:stretch/>
+          </p:blipFill>
+          <p:spPr>
+            <a:xfrm>
+              <a:off x="20179973" y="21419824"/>
+              <a:ext cx="2495550" cy="2023059"/>
+            </a:xfrm>
+            <a:prstGeom prst="rect">
+              <a:avLst/>
+            </a:prstGeom>
+          </p:spPr>
+        </p:pic>
+        <p:sp>
+          <p:nvSpPr>
+            <p:cNvPr id="25" name="วงรี 24">
+              <a:extLst>
+                <a:ext uri="{FF2B5EF4-FFF2-40B4-BE49-F238E27FC236}">
+                  <a16:creationId xmlns:a16="http://schemas.microsoft.com/office/drawing/2014/main" id="{6FC27058-F958-4C41-A0DB-F5AEDFBCD802}"/>
+                </a:ext>
+              </a:extLst>
+            </p:cNvPr>
+            <p:cNvSpPr/>
+            <p:nvPr/>
+          </p:nvSpPr>
+          <p:spPr>
+            <a:xfrm>
+              <a:off x="16902460" y="19675088"/>
+              <a:ext cx="540000" cy="540000"/>
+            </a:xfrm>
+            <a:prstGeom prst="ellipse">
+              <a:avLst/>
+            </a:prstGeom>
+            <a:solidFill>
+              <a:schemeClr val="bg1"/>
+            </a:solidFill>
+            <a:ln>
+              <a:solidFill>
+                <a:schemeClr val="bg1">
+                  <a:lumMod val="95000"/>
+                </a:schemeClr>
+              </a:solidFill>
+            </a:ln>
+            <a:effectLst>
+              <a:outerShdw blurRad="50800" dist="38100" dir="5400000" algn="t" rotWithShape="0">
+                <a:prstClr val="black">
+                  <a:alpha val="40000"/>
+                </a:prstClr>
+              </a:outerShdw>
+            </a:effectLst>
+          </p:spPr>
+          <p:txBody>
+            <a:bodyPr vert="horz" lIns="0" tIns="0" rIns="0" bIns="0" rtlCol="0" anchor="ctr">
+              <a:noAutofit/>
+            </a:bodyPr>
+            <a:lstStyle/>
+            <a:p>
+              <a:pPr algn="ctr" fontAlgn="base">
+                <a:lnSpc>
+                  <a:spcPct val="115000"/>
+                </a:lnSpc>
+                <a:spcAft>
+                  <a:spcPts val="1000"/>
+                </a:spcAft>
+                <a:tabLst>
+                  <a:tab pos="1436688" algn="l"/>
+                </a:tabLst>
+              </a:pPr>
+              <a:r>
+                <a:rPr lang="en-US" sz="2000" dirty="0">
+                  <a:solidFill>
+                    <a:schemeClr val="tx1"/>
+                  </a:solidFill>
+                  <a:latin typeface="Kanit Medium" panose="00000600000000000000" pitchFamily="2" charset="-34"/>
+                  <a:ea typeface="+mj-ea"/>
+                  <a:cs typeface="Kanit Medium" panose="00000600000000000000" pitchFamily="2" charset="-34"/>
+                </a:rPr>
+                <a:t>1</a:t>
+              </a:r>
+              <a:endParaRPr lang="th-TH" sz="2000" dirty="0">
+                <a:solidFill>
+                  <a:schemeClr val="tx1"/>
+                </a:solidFill>
+                <a:latin typeface="Kanit Medium" panose="00000600000000000000" pitchFamily="2" charset="-34"/>
+                <a:ea typeface="+mj-ea"/>
+                <a:cs typeface="Kanit Medium" panose="00000600000000000000" pitchFamily="2" charset="-34"/>
+              </a:endParaRPr>
+            </a:p>
+          </p:txBody>
+        </p:sp>
+        <p:sp>
+          <p:nvSpPr>
+            <p:cNvPr id="26" name="วงรี 25">
+              <a:extLst>
+                <a:ext uri="{FF2B5EF4-FFF2-40B4-BE49-F238E27FC236}">
+                  <a16:creationId xmlns:a16="http://schemas.microsoft.com/office/drawing/2014/main" id="{81E81744-27CA-43BF-A4A9-210C29CE62CB}"/>
+                </a:ext>
+              </a:extLst>
+            </p:cNvPr>
+            <p:cNvSpPr/>
+            <p:nvPr/>
+          </p:nvSpPr>
+          <p:spPr>
+            <a:xfrm>
+              <a:off x="22135523" y="19484156"/>
+              <a:ext cx="540000" cy="540000"/>
+            </a:xfrm>
+            <a:prstGeom prst="ellipse">
+              <a:avLst/>
+            </a:prstGeom>
+            <a:solidFill>
+              <a:schemeClr val="bg1"/>
+            </a:solidFill>
+            <a:ln>
+              <a:solidFill>
+                <a:schemeClr val="bg1">
+                  <a:lumMod val="95000"/>
+                </a:schemeClr>
+              </a:solidFill>
+            </a:ln>
+            <a:effectLst>
+              <a:outerShdw blurRad="50800" dist="38100" dir="5400000" algn="t" rotWithShape="0">
+                <a:prstClr val="black">
+                  <a:alpha val="40000"/>
+                </a:prstClr>
+              </a:outerShdw>
+            </a:effectLst>
+          </p:spPr>
+          <p:txBody>
+            <a:bodyPr vert="horz" lIns="0" tIns="0" rIns="0" bIns="0" rtlCol="0" anchor="ctr">
+              <a:noAutofit/>
+            </a:bodyPr>
+            <a:lstStyle/>
+            <a:p>
+              <a:pPr algn="ctr" fontAlgn="base">
+                <a:lnSpc>
+                  <a:spcPct val="115000"/>
+                </a:lnSpc>
+                <a:spcAft>
+                  <a:spcPts val="1000"/>
+                </a:spcAft>
+                <a:tabLst>
+                  <a:tab pos="1436688" algn="l"/>
+                </a:tabLst>
+              </a:pPr>
+              <a:r>
+                <a:rPr lang="en-US" sz="2000" dirty="0">
+                  <a:latin typeface="Kanit Medium" panose="00000600000000000000" pitchFamily="2" charset="-34"/>
+                  <a:ea typeface="+mj-ea"/>
+                  <a:cs typeface="Kanit Medium" panose="00000600000000000000" pitchFamily="2" charset="-34"/>
+                </a:rPr>
+                <a:t>2</a:t>
+              </a:r>
+              <a:endParaRPr lang="th-TH" sz="2000" dirty="0">
+                <a:solidFill>
+                  <a:schemeClr val="tx1"/>
+                </a:solidFill>
+                <a:latin typeface="Kanit Medium" panose="00000600000000000000" pitchFamily="2" charset="-34"/>
+                <a:ea typeface="+mj-ea"/>
+                <a:cs typeface="Kanit Medium" panose="00000600000000000000" pitchFamily="2" charset="-34"/>
+              </a:endParaRPr>
+            </a:p>
+          </p:txBody>
+        </p:sp>
+        <p:sp>
+          <p:nvSpPr>
+            <p:cNvPr id="29" name="วงรี 28">
+              <a:extLst>
+                <a:ext uri="{FF2B5EF4-FFF2-40B4-BE49-F238E27FC236}">
+                  <a16:creationId xmlns:a16="http://schemas.microsoft.com/office/drawing/2014/main" id="{B079FEC4-DE23-4244-A37F-CDD2E798D0A5}"/>
+                </a:ext>
+              </a:extLst>
+            </p:cNvPr>
+            <p:cNvSpPr/>
+            <p:nvPr/>
+          </p:nvSpPr>
+          <p:spPr>
+            <a:xfrm>
+              <a:off x="16902460" y="21419824"/>
+              <a:ext cx="540000" cy="540000"/>
+            </a:xfrm>
+            <a:prstGeom prst="ellipse">
+              <a:avLst/>
+            </a:prstGeom>
+            <a:solidFill>
+              <a:schemeClr val="bg1"/>
+            </a:solidFill>
+            <a:ln>
+              <a:solidFill>
+                <a:schemeClr val="bg1">
+                  <a:lumMod val="95000"/>
+                </a:schemeClr>
+              </a:solidFill>
+            </a:ln>
+            <a:effectLst>
+              <a:outerShdw blurRad="50800" dist="38100" dir="5400000" algn="t" rotWithShape="0">
+                <a:prstClr val="black">
+                  <a:alpha val="40000"/>
+                </a:prstClr>
+              </a:outerShdw>
+            </a:effectLst>
+          </p:spPr>
+          <p:txBody>
+            <a:bodyPr vert="horz" lIns="0" tIns="0" rIns="0" bIns="0" rtlCol="0" anchor="ctr">
+              <a:noAutofit/>
+            </a:bodyPr>
+            <a:lstStyle/>
+            <a:p>
+              <a:pPr algn="ctr" fontAlgn="base">
+                <a:lnSpc>
+                  <a:spcPct val="115000"/>
+                </a:lnSpc>
+                <a:spcAft>
+                  <a:spcPts val="1000"/>
+                </a:spcAft>
+                <a:tabLst>
+                  <a:tab pos="1436688" algn="l"/>
+                </a:tabLst>
+              </a:pPr>
+              <a:r>
+                <a:rPr lang="en-US" sz="2000" dirty="0">
+                  <a:latin typeface="Kanit Medium" panose="00000600000000000000" pitchFamily="2" charset="-34"/>
+                  <a:ea typeface="+mj-ea"/>
+                  <a:cs typeface="Kanit Medium" panose="00000600000000000000" pitchFamily="2" charset="-34"/>
+                </a:rPr>
+                <a:t>3</a:t>
+              </a:r>
+              <a:endParaRPr lang="th-TH" sz="2000" dirty="0">
+                <a:solidFill>
+                  <a:schemeClr val="tx1"/>
+                </a:solidFill>
+                <a:latin typeface="Kanit Medium" panose="00000600000000000000" pitchFamily="2" charset="-34"/>
+                <a:ea typeface="+mj-ea"/>
+                <a:cs typeface="Kanit Medium" panose="00000600000000000000" pitchFamily="2" charset="-34"/>
+              </a:endParaRPr>
+            </a:p>
+          </p:txBody>
+        </p:sp>
+        <p:sp>
+          <p:nvSpPr>
+            <p:cNvPr id="30" name="วงรี 29">
+              <a:extLst>
+                <a:ext uri="{FF2B5EF4-FFF2-40B4-BE49-F238E27FC236}">
+                  <a16:creationId xmlns:a16="http://schemas.microsoft.com/office/drawing/2014/main" id="{E4DBE129-5463-419D-A4CC-42EF5980E821}"/>
+                </a:ext>
+              </a:extLst>
+            </p:cNvPr>
+            <p:cNvSpPr/>
+            <p:nvPr/>
+          </p:nvSpPr>
+          <p:spPr>
+            <a:xfrm>
+              <a:off x="19514886" y="20346563"/>
+              <a:ext cx="540000" cy="540000"/>
+            </a:xfrm>
+            <a:prstGeom prst="ellipse">
+              <a:avLst/>
+            </a:prstGeom>
+            <a:solidFill>
+              <a:schemeClr val="bg1"/>
+            </a:solidFill>
+            <a:ln>
+              <a:solidFill>
+                <a:schemeClr val="bg1">
+                  <a:lumMod val="95000"/>
+                </a:schemeClr>
+              </a:solidFill>
+            </a:ln>
+            <a:effectLst>
+              <a:outerShdw blurRad="50800" dist="38100" dir="5400000" algn="t" rotWithShape="0">
+                <a:prstClr val="black">
+                  <a:alpha val="40000"/>
+                </a:prstClr>
+              </a:outerShdw>
+            </a:effectLst>
+          </p:spPr>
+          <p:txBody>
+            <a:bodyPr vert="horz" lIns="0" tIns="0" rIns="0" bIns="0" rtlCol="0" anchor="ctr">
+              <a:noAutofit/>
+            </a:bodyPr>
+            <a:lstStyle/>
+            <a:p>
+              <a:pPr algn="ctr" fontAlgn="base">
+                <a:lnSpc>
+                  <a:spcPct val="115000"/>
+                </a:lnSpc>
+                <a:spcAft>
+                  <a:spcPts val="1000"/>
+                </a:spcAft>
+                <a:tabLst>
+                  <a:tab pos="1436688" algn="l"/>
+                </a:tabLst>
+              </a:pPr>
+              <a:r>
+                <a:rPr lang="en-US" sz="2000" dirty="0">
+                  <a:solidFill>
+                    <a:schemeClr val="tx1"/>
+                  </a:solidFill>
+                  <a:latin typeface="Kanit Medium" panose="00000600000000000000" pitchFamily="2" charset="-34"/>
+                  <a:ea typeface="+mj-ea"/>
+                  <a:cs typeface="Kanit Medium" panose="00000600000000000000" pitchFamily="2" charset="-34"/>
+                </a:rPr>
+                <a:t>4</a:t>
+              </a:r>
+              <a:endParaRPr lang="th-TH" sz="2000" dirty="0">
+                <a:solidFill>
+                  <a:schemeClr val="tx1"/>
+                </a:solidFill>
+                <a:latin typeface="Kanit Medium" panose="00000600000000000000" pitchFamily="2" charset="-34"/>
+                <a:ea typeface="+mj-ea"/>
+                <a:cs typeface="Kanit Medium" panose="00000600000000000000" pitchFamily="2" charset="-34"/>
+              </a:endParaRPr>
+            </a:p>
+          </p:txBody>
+        </p:sp>
+        <p:sp>
+          <p:nvSpPr>
+            <p:cNvPr id="31" name="วงรี 30">
+              <a:extLst>
+                <a:ext uri="{FF2B5EF4-FFF2-40B4-BE49-F238E27FC236}">
+                  <a16:creationId xmlns:a16="http://schemas.microsoft.com/office/drawing/2014/main" id="{AE077D35-1EBB-4EED-BD10-5E09F5D9C52A}"/>
+                </a:ext>
+              </a:extLst>
+            </p:cNvPr>
+            <p:cNvSpPr/>
+            <p:nvPr/>
+          </p:nvSpPr>
+          <p:spPr>
+            <a:xfrm>
+              <a:off x="22127313" y="21419824"/>
+              <a:ext cx="540000" cy="540000"/>
+            </a:xfrm>
+            <a:prstGeom prst="ellipse">
+              <a:avLst/>
+            </a:prstGeom>
+            <a:solidFill>
+              <a:schemeClr val="bg1"/>
+            </a:solidFill>
+            <a:ln>
+              <a:solidFill>
+                <a:schemeClr val="bg1">
+                  <a:lumMod val="95000"/>
+                </a:schemeClr>
+              </a:solidFill>
+            </a:ln>
+            <a:effectLst>
+              <a:outerShdw blurRad="50800" dist="38100" dir="5400000" algn="t" rotWithShape="0">
+                <a:prstClr val="black">
+                  <a:alpha val="40000"/>
+                </a:prstClr>
+              </a:outerShdw>
+            </a:effectLst>
+          </p:spPr>
+          <p:txBody>
+            <a:bodyPr vert="horz" lIns="0" tIns="0" rIns="0" bIns="0" rtlCol="0" anchor="ctr">
+              <a:noAutofit/>
+            </a:bodyPr>
+            <a:lstStyle/>
+            <a:p>
+              <a:pPr algn="ctr" fontAlgn="base">
+                <a:lnSpc>
+                  <a:spcPct val="115000"/>
+                </a:lnSpc>
+                <a:spcAft>
+                  <a:spcPts val="1000"/>
+                </a:spcAft>
+                <a:tabLst>
+                  <a:tab pos="1436688" algn="l"/>
+                </a:tabLst>
+              </a:pPr>
+              <a:r>
+                <a:rPr lang="en-US" sz="2000" dirty="0">
+                  <a:latin typeface="Kanit Medium" panose="00000600000000000000" pitchFamily="2" charset="-34"/>
+                  <a:ea typeface="+mj-ea"/>
+                  <a:cs typeface="Kanit Medium" panose="00000600000000000000" pitchFamily="2" charset="-34"/>
+                </a:rPr>
+                <a:t>5</a:t>
+              </a:r>
+              <a:endParaRPr lang="th-TH" sz="2000" dirty="0">
+                <a:solidFill>
+                  <a:schemeClr val="tx1"/>
+                </a:solidFill>
+                <a:latin typeface="Kanit Medium" panose="00000600000000000000" pitchFamily="2" charset="-34"/>
+                <a:ea typeface="+mj-ea"/>
+                <a:cs typeface="Kanit Medium" panose="00000600000000000000" pitchFamily="2" charset="-34"/>
+              </a:endParaRPr>
+            </a:p>
+          </p:txBody>
+        </p:sp>
+      </p:grpSp>
+      <p:grpSp>
+        <p:nvGrpSpPr>
+          <p:cNvPr id="40" name="กลุ่ม 39">
+            <a:extLst>
+              <a:ext uri="{FF2B5EF4-FFF2-40B4-BE49-F238E27FC236}">
+                <a16:creationId xmlns:a16="http://schemas.microsoft.com/office/drawing/2014/main" id="{6EDF2A56-8EAD-4503-B13C-AB41A39D5C6B}"/>
+              </a:ext>
+            </a:extLst>
+          </p:cNvPr>
+          <p:cNvGrpSpPr/>
+          <p:nvPr/>
+        </p:nvGrpSpPr>
+        <p:grpSpPr>
+          <a:xfrm>
+            <a:off x="12985758" y="14963596"/>
+            <a:ext cx="9693222" cy="3288240"/>
+            <a:chOff x="12985758" y="14963596"/>
+            <a:chExt cx="9693222" cy="3288240"/>
+          </a:xfrm>
+        </p:grpSpPr>
+        <p:grpSp>
+          <p:nvGrpSpPr>
+            <p:cNvPr id="34" name="กลุ่ม 33">
+              <a:extLst>
+                <a:ext uri="{FF2B5EF4-FFF2-40B4-BE49-F238E27FC236}">
+                  <a16:creationId xmlns:a16="http://schemas.microsoft.com/office/drawing/2014/main" id="{71BB0A60-6489-4D16-B4D3-CD2DDE152A9C}"/>
+                </a:ext>
+              </a:extLst>
+            </p:cNvPr>
+            <p:cNvGrpSpPr/>
+            <p:nvPr/>
+          </p:nvGrpSpPr>
+          <p:grpSpPr>
+            <a:xfrm>
+              <a:off x="12985758" y="14963596"/>
+              <a:ext cx="1849634" cy="3288240"/>
+              <a:chOff x="14943659" y="14963595"/>
+              <a:chExt cx="1849634" cy="3288240"/>
+            </a:xfrm>
+          </p:grpSpPr>
+          <p:pic>
+            <p:nvPicPr>
+              <p:cNvPr id="19" name="รูปภาพ 18">
+                <a:extLst>
+                  <a:ext uri="{FF2B5EF4-FFF2-40B4-BE49-F238E27FC236}">
+                    <a16:creationId xmlns:a16="http://schemas.microsoft.com/office/drawing/2014/main" id="{3D86CA6A-6FEF-4CAA-BBD3-59AD1AA6F6A7}"/>
+                  </a:ext>
+                </a:extLst>
+              </p:cNvPr>
+              <p:cNvPicPr/>
+              <p:nvPr/>
+            </p:nvPicPr>
+            <p:blipFill rotWithShape="1">
+              <a:blip r:embed="rId2" cstate="print">
+                <a:extLst>
+                  <a:ext uri="{28A0092B-C50C-407E-A947-70E740481C1C}">
+                    <a14:useLocalDpi xmlns:a14="http://schemas.microsoft.com/office/drawing/2010/main" val="0"/>
+                  </a:ext>
+                </a:extLst>
+              </a:blip>
+              <a:stretch/>
+            </p:blipFill>
+            <p:spPr bwMode="auto">
+              <a:xfrm>
+                <a:off x="14943659" y="14963595"/>
+                <a:ext cx="1849634" cy="3288240"/>
+              </a:xfrm>
+              <a:prstGeom prst="rect">
+                <a:avLst/>
+              </a:prstGeom>
+              <a:extLst>
+                <a:ext uri="{53640926-AAD7-44D8-BBD7-CCE9431645EC}">
+                  <a14:shadowObscured xmlns:a14="http://schemas.microsoft.com/office/drawing/2010/main"/>
+                </a:ext>
+              </a:extLst>
+            </p:spPr>
+          </p:pic>
+          <p:sp>
+            <p:nvSpPr>
+              <p:cNvPr id="2" name="วงรี 1">
+                <a:extLst>
+                  <a:ext uri="{FF2B5EF4-FFF2-40B4-BE49-F238E27FC236}">
+                    <a16:creationId xmlns:a16="http://schemas.microsoft.com/office/drawing/2014/main" id="{86127EC3-BECE-4753-9163-C4D686D4C187}"/>
+                  </a:ext>
+                </a:extLst>
+              </p:cNvPr>
+              <p:cNvSpPr/>
+              <p:nvPr/>
+            </p:nvSpPr>
+            <p:spPr>
+              <a:xfrm>
+                <a:off x="16253292" y="14963595"/>
+                <a:ext cx="540000" cy="540000"/>
+              </a:xfrm>
+              <a:prstGeom prst="ellipse">
+                <a:avLst/>
+              </a:prstGeom>
+              <a:solidFill>
+                <a:schemeClr val="bg1"/>
+              </a:solidFill>
+              <a:ln>
+                <a:solidFill>
+                  <a:schemeClr val="bg1">
+                    <a:lumMod val="95000"/>
+                  </a:schemeClr>
+                </a:solidFill>
+              </a:ln>
+              <a:effectLst>
+                <a:outerShdw blurRad="50800" dist="38100" dir="5400000" algn="t" rotWithShape="0">
+                  <a:prstClr val="black">
+                    <a:alpha val="40000"/>
+                  </a:prstClr>
+                </a:outerShdw>
+              </a:effectLst>
+            </p:spPr>
+            <p:txBody>
+              <a:bodyPr vert="horz" lIns="0" tIns="0" rIns="0" bIns="0" rtlCol="0" anchor="ctr">
+                <a:noAutofit/>
+              </a:bodyPr>
+              <a:lstStyle/>
+              <a:p>
+                <a:pPr algn="ctr" fontAlgn="base">
+                  <a:lnSpc>
+                    <a:spcPct val="115000"/>
+                  </a:lnSpc>
+                  <a:spcAft>
+                    <a:spcPts val="1000"/>
+                  </a:spcAft>
+                  <a:tabLst>
+                    <a:tab pos="1436688" algn="l"/>
+                  </a:tabLst>
+                </a:pPr>
+                <a:r>
+                  <a:rPr lang="en-US" sz="2000" dirty="0">
+                    <a:latin typeface="Kanit Medium" panose="00000600000000000000" pitchFamily="2" charset="-34"/>
+                    <a:ea typeface="+mj-ea"/>
+                    <a:cs typeface="Kanit Medium" panose="00000600000000000000" pitchFamily="2" charset="-34"/>
+                  </a:rPr>
+                  <a:t>A</a:t>
+                </a:r>
+                <a:endParaRPr lang="th-TH" sz="2000" dirty="0">
+                  <a:solidFill>
+                    <a:schemeClr val="tx1"/>
+                  </a:solidFill>
+                  <a:latin typeface="Kanit Medium" panose="00000600000000000000" pitchFamily="2" charset="-34"/>
+                  <a:ea typeface="+mj-ea"/>
+                  <a:cs typeface="Kanit Medium" panose="00000600000000000000" pitchFamily="2" charset="-34"/>
+                </a:endParaRPr>
+              </a:p>
+            </p:txBody>
+          </p:sp>
+        </p:grpSp>
+        <p:grpSp>
+          <p:nvGrpSpPr>
+            <p:cNvPr id="35" name="กลุ่ม 34">
+              <a:extLst>
+                <a:ext uri="{FF2B5EF4-FFF2-40B4-BE49-F238E27FC236}">
+                  <a16:creationId xmlns:a16="http://schemas.microsoft.com/office/drawing/2014/main" id="{E356E462-268F-405E-B13C-B547AB9FE350}"/>
+                </a:ext>
+              </a:extLst>
+            </p:cNvPr>
+            <p:cNvGrpSpPr/>
+            <p:nvPr/>
+          </p:nvGrpSpPr>
+          <p:grpSpPr>
+            <a:xfrm>
+              <a:off x="14944334" y="14963596"/>
+              <a:ext cx="1849634" cy="3288239"/>
+              <a:chOff x="16902460" y="14963595"/>
+              <a:chExt cx="1849634" cy="3288239"/>
+            </a:xfrm>
+          </p:grpSpPr>
+          <p:pic>
+            <p:nvPicPr>
+              <p:cNvPr id="20" name="รูปภาพ 19">
+                <a:extLst>
+                  <a:ext uri="{FF2B5EF4-FFF2-40B4-BE49-F238E27FC236}">
+                    <a16:creationId xmlns:a16="http://schemas.microsoft.com/office/drawing/2014/main" id="{64475D97-8E54-45C1-BCE9-457992E189AC}"/>
+                  </a:ext>
+                </a:extLst>
+              </p:cNvPr>
+              <p:cNvPicPr>
+                <a:picLocks noChangeAspect="1"/>
+              </p:cNvPicPr>
+              <p:nvPr/>
+            </p:nvPicPr>
+            <p:blipFill rotWithShape="1">
+              <a:blip r:embed="rId3">
+                <a:extLst>
+                  <a:ext uri="{28A0092B-C50C-407E-A947-70E740481C1C}">
+                    <a14:useLocalDpi xmlns:a14="http://schemas.microsoft.com/office/drawing/2010/main" val="0"/>
+                  </a:ext>
+                </a:extLst>
+              </a:blip>
+              <a:stretch/>
+            </p:blipFill>
+            <p:spPr>
+              <a:xfrm>
+                <a:off x="16902460" y="14963596"/>
+                <a:ext cx="1849634" cy="3288238"/>
+              </a:xfrm>
+              <a:prstGeom prst="rect">
+                <a:avLst/>
+              </a:prstGeom>
+            </p:spPr>
+          </p:pic>
+          <p:sp>
+            <p:nvSpPr>
+              <p:cNvPr id="21" name="วงรี 20">
+                <a:extLst>
+                  <a:ext uri="{FF2B5EF4-FFF2-40B4-BE49-F238E27FC236}">
+                    <a16:creationId xmlns:a16="http://schemas.microsoft.com/office/drawing/2014/main" id="{C4FC3476-54BD-482D-9DE6-E09EBE392759}"/>
+                  </a:ext>
+                </a:extLst>
+              </p:cNvPr>
+              <p:cNvSpPr/>
+              <p:nvPr/>
+            </p:nvSpPr>
+            <p:spPr>
+              <a:xfrm>
+                <a:off x="18212093" y="14963595"/>
+                <a:ext cx="540000" cy="540000"/>
+              </a:xfrm>
+              <a:prstGeom prst="ellipse">
+                <a:avLst/>
+              </a:prstGeom>
+              <a:solidFill>
+                <a:schemeClr val="bg1"/>
+              </a:solidFill>
+              <a:ln>
+                <a:solidFill>
+                  <a:schemeClr val="bg1">
+                    <a:lumMod val="95000"/>
+                  </a:schemeClr>
+                </a:solidFill>
+              </a:ln>
+              <a:effectLst>
+                <a:outerShdw blurRad="50800" dist="38100" dir="5400000" algn="t" rotWithShape="0">
+                  <a:prstClr val="black">
+                    <a:alpha val="40000"/>
+                  </a:prstClr>
+                </a:outerShdw>
+              </a:effectLst>
+            </p:spPr>
+            <p:txBody>
+              <a:bodyPr vert="horz" lIns="0" tIns="0" rIns="0" bIns="0" rtlCol="0" anchor="ctr">
+                <a:noAutofit/>
+              </a:bodyPr>
+              <a:lstStyle/>
+              <a:p>
+                <a:pPr algn="ctr" fontAlgn="base">
+                  <a:lnSpc>
+                    <a:spcPct val="115000"/>
+                  </a:lnSpc>
+                  <a:spcAft>
+                    <a:spcPts val="1000"/>
+                  </a:spcAft>
+                  <a:tabLst>
+                    <a:tab pos="1436688" algn="l"/>
+                  </a:tabLst>
+                </a:pPr>
+                <a:r>
+                  <a:rPr lang="en-US" sz="2000" dirty="0">
+                    <a:solidFill>
+                      <a:schemeClr val="tx1"/>
+                    </a:solidFill>
+                    <a:latin typeface="Kanit Medium" panose="00000600000000000000" pitchFamily="2" charset="-34"/>
+                    <a:ea typeface="+mj-ea"/>
+                    <a:cs typeface="Kanit Medium" panose="00000600000000000000" pitchFamily="2" charset="-34"/>
+                  </a:rPr>
+                  <a:t>B</a:t>
+                </a:r>
+                <a:endParaRPr lang="th-TH" sz="2000" dirty="0">
+                  <a:solidFill>
+                    <a:schemeClr val="tx1"/>
+                  </a:solidFill>
+                  <a:latin typeface="Kanit Medium" panose="00000600000000000000" pitchFamily="2" charset="-34"/>
+                  <a:ea typeface="+mj-ea"/>
+                  <a:cs typeface="Kanit Medium" panose="00000600000000000000" pitchFamily="2" charset="-34"/>
+                </a:endParaRPr>
+              </a:p>
+            </p:txBody>
+          </p:sp>
+        </p:grpSp>
+        <p:grpSp>
+          <p:nvGrpSpPr>
+            <p:cNvPr id="36" name="กลุ่ม 35">
+              <a:extLst>
+                <a:ext uri="{FF2B5EF4-FFF2-40B4-BE49-F238E27FC236}">
+                  <a16:creationId xmlns:a16="http://schemas.microsoft.com/office/drawing/2014/main" id="{AE94FD00-7B88-44C5-A381-152B18623A21}"/>
+                </a:ext>
+              </a:extLst>
+            </p:cNvPr>
+            <p:cNvGrpSpPr/>
+            <p:nvPr/>
+          </p:nvGrpSpPr>
+          <p:grpSpPr>
+            <a:xfrm>
+              <a:off x="16902910" y="14963596"/>
+              <a:ext cx="1849632" cy="3286118"/>
+              <a:chOff x="18861261" y="14963595"/>
+              <a:chExt cx="1849632" cy="3286118"/>
+            </a:xfrm>
+          </p:grpSpPr>
+          <p:pic>
+            <p:nvPicPr>
+              <p:cNvPr id="18" name="รูปภาพ 17">
+                <a:extLst>
+                  <a:ext uri="{FF2B5EF4-FFF2-40B4-BE49-F238E27FC236}">
+                    <a16:creationId xmlns:a16="http://schemas.microsoft.com/office/drawing/2014/main" id="{50301E6F-FB3C-4773-B017-45E05E44CEF7}"/>
+                  </a:ext>
+                </a:extLst>
+              </p:cNvPr>
+              <p:cNvPicPr>
+                <a:picLocks noChangeAspect="1"/>
+              </p:cNvPicPr>
+              <p:nvPr/>
+            </p:nvPicPr>
+            <p:blipFill>
+              <a:blip r:embed="rId7">
+                <a:extLst>
+                  <a:ext uri="{28A0092B-C50C-407E-A947-70E740481C1C}">
+                    <a14:useLocalDpi xmlns:a14="http://schemas.microsoft.com/office/drawing/2010/main" val="0"/>
+                  </a:ext>
+                </a:extLst>
+              </a:blip>
+              <a:stretch>
+                <a:fillRect/>
+              </a:stretch>
+            </p:blipFill>
+            <p:spPr>
+              <a:xfrm>
+                <a:off x="18861261" y="14965717"/>
+                <a:ext cx="1847250" cy="3283996"/>
+              </a:xfrm>
+              <a:prstGeom prst="rect">
+                <a:avLst/>
+              </a:prstGeom>
+            </p:spPr>
+          </p:pic>
+          <p:sp>
+            <p:nvSpPr>
+              <p:cNvPr id="22" name="วงรี 21">
+                <a:extLst>
+                  <a:ext uri="{FF2B5EF4-FFF2-40B4-BE49-F238E27FC236}">
+                    <a16:creationId xmlns:a16="http://schemas.microsoft.com/office/drawing/2014/main" id="{93D12E38-A012-4F5A-88B6-7414010C8224}"/>
+                  </a:ext>
+                </a:extLst>
+              </p:cNvPr>
+              <p:cNvSpPr/>
+              <p:nvPr/>
+            </p:nvSpPr>
+            <p:spPr>
+              <a:xfrm>
+                <a:off x="20170893" y="14963595"/>
+                <a:ext cx="540000" cy="540000"/>
+              </a:xfrm>
+              <a:prstGeom prst="ellipse">
+                <a:avLst/>
+              </a:prstGeom>
+              <a:solidFill>
+                <a:schemeClr val="bg1"/>
+              </a:solidFill>
+              <a:ln>
+                <a:solidFill>
+                  <a:schemeClr val="bg1">
+                    <a:lumMod val="95000"/>
+                  </a:schemeClr>
+                </a:solidFill>
+              </a:ln>
+              <a:effectLst>
+                <a:outerShdw blurRad="50800" dist="38100" dir="5400000" algn="t" rotWithShape="0">
+                  <a:prstClr val="black">
+                    <a:alpha val="40000"/>
+                  </a:prstClr>
+                </a:outerShdw>
+              </a:effectLst>
+            </p:spPr>
+            <p:txBody>
+              <a:bodyPr vert="horz" lIns="0" tIns="0" rIns="0" bIns="0" rtlCol="0" anchor="ctr">
+                <a:noAutofit/>
+              </a:bodyPr>
+              <a:lstStyle/>
+              <a:p>
+                <a:pPr algn="ctr" fontAlgn="base">
+                  <a:lnSpc>
+                    <a:spcPct val="115000"/>
+                  </a:lnSpc>
+                  <a:spcAft>
+                    <a:spcPts val="1000"/>
+                  </a:spcAft>
+                  <a:tabLst>
+                    <a:tab pos="1436688" algn="l"/>
+                  </a:tabLst>
+                </a:pPr>
+                <a:r>
+                  <a:rPr lang="en-US" sz="2000" dirty="0">
+                    <a:latin typeface="Kanit Medium" panose="00000600000000000000" pitchFamily="2" charset="-34"/>
+                    <a:ea typeface="+mj-ea"/>
+                    <a:cs typeface="Kanit Medium" panose="00000600000000000000" pitchFamily="2" charset="-34"/>
+                  </a:rPr>
+                  <a:t>C</a:t>
+                </a:r>
+                <a:endParaRPr lang="th-TH" sz="2000" dirty="0">
+                  <a:solidFill>
+                    <a:schemeClr val="tx1"/>
+                  </a:solidFill>
+                  <a:latin typeface="Kanit Medium" panose="00000600000000000000" pitchFamily="2" charset="-34"/>
+                  <a:ea typeface="+mj-ea"/>
+                  <a:cs typeface="Kanit Medium" panose="00000600000000000000" pitchFamily="2" charset="-34"/>
+                </a:endParaRPr>
+              </a:p>
+            </p:txBody>
+          </p:sp>
+        </p:grpSp>
+        <p:grpSp>
+          <p:nvGrpSpPr>
+            <p:cNvPr id="37" name="กลุ่ม 36">
+              <a:extLst>
+                <a:ext uri="{FF2B5EF4-FFF2-40B4-BE49-F238E27FC236}">
+                  <a16:creationId xmlns:a16="http://schemas.microsoft.com/office/drawing/2014/main" id="{078935E4-0EB3-42DE-93C9-44D726192BB0}"/>
+                </a:ext>
+              </a:extLst>
+            </p:cNvPr>
+            <p:cNvGrpSpPr/>
+            <p:nvPr/>
+          </p:nvGrpSpPr>
+          <p:grpSpPr>
+            <a:xfrm>
+              <a:off x="20817679" y="14963596"/>
+              <a:ext cx="1861301" cy="3288239"/>
+              <a:chOff x="20817679" y="14963595"/>
+              <a:chExt cx="1861301" cy="3288239"/>
+            </a:xfrm>
+          </p:grpSpPr>
+          <p:pic>
+            <p:nvPicPr>
+              <p:cNvPr id="17" name="Picture 2" descr="https://scontent.fbkk22-3.fna.fbcdn.net/v/t1.15752-9/61547341_307331240205541_8060875190424305664_n.jpg?_nc_cat=110&amp;_nc_oc=AQlyXn2EtVNt8jLVdM1FqGIDRYTPAEsUv7wS8ghCmQgT81P9y9mCX0pQPSVQ5cP4GEU&amp;_nc_ht=scontent.fbkk22-3.fna&amp;oh=89c7b11e7ecfd5b5ed34a7527d0a9cf1&amp;oe=5D5496D7">
+                <a:extLst>
+                  <a:ext uri="{FF2B5EF4-FFF2-40B4-BE49-F238E27FC236}">
+                    <a16:creationId xmlns:a16="http://schemas.microsoft.com/office/drawing/2014/main" id="{EFC9D58D-6DA3-45A6-A47C-EA418C55F918}"/>
+                  </a:ext>
+                </a:extLst>
+              </p:cNvPr>
+              <p:cNvPicPr>
+                <a:picLocks noChangeAspect="1" noChangeArrowheads="1"/>
+              </p:cNvPicPr>
+              <p:nvPr/>
+            </p:nvPicPr>
+            <p:blipFill>
+              <a:blip r:embed="rId8">
+                <a:extLst>
+                  <a:ext uri="{28A0092B-C50C-407E-A947-70E740481C1C}">
+                    <a14:useLocalDpi xmlns:a14="http://schemas.microsoft.com/office/drawing/2010/main" val="0"/>
+                  </a:ext>
+                </a:extLst>
+              </a:blip>
+              <a:srcRect/>
+              <a:stretch>
+                <a:fillRect/>
+              </a:stretch>
+            </p:blipFill>
+            <p:spPr bwMode="auto">
+              <a:xfrm>
+                <a:off x="20817679" y="14963596"/>
+                <a:ext cx="1849634" cy="3288238"/>
+              </a:xfrm>
+              <a:prstGeom prst="rect">
+                <a:avLst/>
+              </a:prstGeom>
+              <a:noFill/>
+              <a:extLst>
+                <a:ext uri="{909E8E84-426E-40DD-AFC4-6F175D3DCCD1}">
+                  <a14:hiddenFill xmlns:a14="http://schemas.microsoft.com/office/drawing/2010/main">
+                    <a:solidFill>
+                      <a:srgbClr val="FFFFFF"/>
+                    </a:solidFill>
+                  </a14:hiddenFill>
+                </a:ext>
+              </a:extLst>
+            </p:spPr>
+          </p:pic>
+          <p:sp>
+            <p:nvSpPr>
+              <p:cNvPr id="23" name="วงรี 22">
+                <a:extLst>
+                  <a:ext uri="{FF2B5EF4-FFF2-40B4-BE49-F238E27FC236}">
+                    <a16:creationId xmlns:a16="http://schemas.microsoft.com/office/drawing/2014/main" id="{41D17F83-7599-4DF2-8FF3-68D6B88BA6BD}"/>
+                  </a:ext>
+                </a:extLst>
+              </p:cNvPr>
+              <p:cNvSpPr/>
+              <p:nvPr/>
+            </p:nvSpPr>
+            <p:spPr>
+              <a:xfrm>
+                <a:off x="22138980" y="14963595"/>
+                <a:ext cx="540000" cy="540000"/>
+              </a:xfrm>
+              <a:prstGeom prst="ellipse">
+                <a:avLst/>
+              </a:prstGeom>
+              <a:solidFill>
+                <a:schemeClr val="bg1"/>
+              </a:solidFill>
+              <a:ln>
+                <a:solidFill>
+                  <a:schemeClr val="bg1">
+                    <a:lumMod val="95000"/>
+                  </a:schemeClr>
+                </a:solidFill>
+              </a:ln>
+              <a:effectLst>
+                <a:outerShdw blurRad="50800" dist="38100" dir="5400000" algn="t" rotWithShape="0">
+                  <a:prstClr val="black">
+                    <a:alpha val="40000"/>
+                  </a:prstClr>
+                </a:outerShdw>
+              </a:effectLst>
+            </p:spPr>
+            <p:txBody>
+              <a:bodyPr vert="horz" lIns="0" tIns="0" rIns="0" bIns="0" rtlCol="0" anchor="ctr">
+                <a:noAutofit/>
+              </a:bodyPr>
+              <a:lstStyle/>
+              <a:p>
+                <a:pPr algn="ctr" fontAlgn="base">
+                  <a:lnSpc>
+                    <a:spcPct val="115000"/>
+                  </a:lnSpc>
+                  <a:spcAft>
+                    <a:spcPts val="1000"/>
+                  </a:spcAft>
+                  <a:tabLst>
+                    <a:tab pos="1436688" algn="l"/>
+                  </a:tabLst>
+                </a:pPr>
+                <a:r>
+                  <a:rPr lang="en-US" sz="2000" dirty="0">
+                    <a:solidFill>
+                      <a:schemeClr val="tx1"/>
+                    </a:solidFill>
+                    <a:latin typeface="Kanit Medium" panose="00000600000000000000" pitchFamily="2" charset="-34"/>
+                    <a:ea typeface="+mj-ea"/>
+                    <a:cs typeface="Kanit Medium" panose="00000600000000000000" pitchFamily="2" charset="-34"/>
+                  </a:rPr>
+                  <a:t>E</a:t>
+                </a:r>
+                <a:endParaRPr lang="th-TH" sz="2000" dirty="0">
+                  <a:solidFill>
+                    <a:schemeClr val="tx1"/>
+                  </a:solidFill>
+                  <a:latin typeface="Kanit Medium" panose="00000600000000000000" pitchFamily="2" charset="-34"/>
+                  <a:ea typeface="+mj-ea"/>
+                  <a:cs typeface="Kanit Medium" panose="00000600000000000000" pitchFamily="2" charset="-34"/>
+                </a:endParaRPr>
+              </a:p>
+            </p:txBody>
+          </p:sp>
+        </p:grpSp>
+        <p:grpSp>
+          <p:nvGrpSpPr>
+            <p:cNvPr id="39" name="กลุ่ม 38">
+              <a:extLst>
+                <a:ext uri="{FF2B5EF4-FFF2-40B4-BE49-F238E27FC236}">
+                  <a16:creationId xmlns:a16="http://schemas.microsoft.com/office/drawing/2014/main" id="{9C9FD2E9-1A9F-4C33-9EEB-53D041BFA672}"/>
+                </a:ext>
+              </a:extLst>
+            </p:cNvPr>
+            <p:cNvGrpSpPr/>
+            <p:nvPr/>
+          </p:nvGrpSpPr>
+          <p:grpSpPr>
+            <a:xfrm>
+              <a:off x="18859102" y="14963596"/>
+              <a:ext cx="1849634" cy="3288239"/>
+              <a:chOff x="18859102" y="14963596"/>
+              <a:chExt cx="1849634" cy="3288239"/>
+            </a:xfrm>
+          </p:grpSpPr>
+          <p:pic>
+            <p:nvPicPr>
+              <p:cNvPr id="33" name="Picture 2" descr="https://scontent.fbkk22-3.fna.fbcdn.net/v/t1.15752-9/61749038_862617164093868_2022421931281612800_n.jpg?_nc_cat=111&amp;_nc_oc=AQnY6frm7WgkkWX5_Z4ej36_PLuz1HXEuVe4rMhBPZqZjNFCb7M6DlSNA0eF-7Zngk0&amp;_nc_ht=scontent.fbkk22-3.fna&amp;oh=27c992e55280777bc6ae3041154889c9&amp;oe=5D952966">
+                <a:extLst>
+                  <a:ext uri="{FF2B5EF4-FFF2-40B4-BE49-F238E27FC236}">
+                    <a16:creationId xmlns:a16="http://schemas.microsoft.com/office/drawing/2014/main" id="{2E5EF76D-2386-40A0-9696-BBC4B2F3F416}"/>
+                  </a:ext>
+                </a:extLst>
+              </p:cNvPr>
+              <p:cNvPicPr>
+                <a:picLocks noChangeAspect="1" noChangeArrowheads="1"/>
+              </p:cNvPicPr>
+              <p:nvPr/>
+            </p:nvPicPr>
+            <p:blipFill>
+              <a:blip r:embed="rId9">
+                <a:extLst>
+                  <a:ext uri="{28A0092B-C50C-407E-A947-70E740481C1C}">
+                    <a14:useLocalDpi xmlns:a14="http://schemas.microsoft.com/office/drawing/2010/main" val="0"/>
+                  </a:ext>
+                </a:extLst>
+              </a:blip>
+              <a:srcRect/>
+              <a:stretch>
+                <a:fillRect/>
+              </a:stretch>
+            </p:blipFill>
+            <p:spPr bwMode="auto">
+              <a:xfrm>
+                <a:off x="18859102" y="14963597"/>
+                <a:ext cx="1849634" cy="3288238"/>
+              </a:xfrm>
+              <a:prstGeom prst="rect">
+                <a:avLst/>
+              </a:prstGeom>
+              <a:noFill/>
+              <a:extLst>
+                <a:ext uri="{909E8E84-426E-40DD-AFC4-6F175D3DCCD1}">
+                  <a14:hiddenFill xmlns:a14="http://schemas.microsoft.com/office/drawing/2010/main">
+                    <a:solidFill>
+                      <a:srgbClr val="FFFFFF"/>
+                    </a:solidFill>
+                  </a14:hiddenFill>
+                </a:ext>
+              </a:extLst>
+            </p:spPr>
+          </p:pic>
+          <p:sp>
+            <p:nvSpPr>
+              <p:cNvPr id="38" name="วงรี 37">
+                <a:extLst>
+                  <a:ext uri="{FF2B5EF4-FFF2-40B4-BE49-F238E27FC236}">
+                    <a16:creationId xmlns:a16="http://schemas.microsoft.com/office/drawing/2014/main" id="{222C456D-D583-4837-9665-4CB6785FDFCA}"/>
+                  </a:ext>
+                </a:extLst>
+              </p:cNvPr>
+              <p:cNvSpPr/>
+              <p:nvPr/>
+            </p:nvSpPr>
+            <p:spPr>
+              <a:xfrm>
+                <a:off x="20152147" y="14963596"/>
+                <a:ext cx="540000" cy="540000"/>
+              </a:xfrm>
+              <a:prstGeom prst="ellipse">
+                <a:avLst/>
+              </a:prstGeom>
+              <a:solidFill>
+                <a:schemeClr val="bg1"/>
+              </a:solidFill>
+              <a:ln>
+                <a:solidFill>
+                  <a:schemeClr val="bg1">
+                    <a:lumMod val="95000"/>
+                  </a:schemeClr>
+                </a:solidFill>
+              </a:ln>
+              <a:effectLst>
+                <a:outerShdw blurRad="50800" dist="38100" dir="5400000" algn="t" rotWithShape="0">
+                  <a:prstClr val="black">
+                    <a:alpha val="40000"/>
+                  </a:prstClr>
+                </a:outerShdw>
+              </a:effectLst>
+            </p:spPr>
+            <p:txBody>
+              <a:bodyPr vert="horz" lIns="0" tIns="0" rIns="0" bIns="0" rtlCol="0" anchor="ctr">
+                <a:noAutofit/>
+              </a:bodyPr>
+              <a:lstStyle/>
+              <a:p>
+                <a:pPr algn="ctr" fontAlgn="base">
+                  <a:lnSpc>
+                    <a:spcPct val="115000"/>
+                  </a:lnSpc>
+                  <a:spcAft>
+                    <a:spcPts val="1000"/>
+                  </a:spcAft>
+                  <a:tabLst>
+                    <a:tab pos="1436688" algn="l"/>
+                  </a:tabLst>
+                </a:pPr>
+                <a:r>
+                  <a:rPr lang="en-US" sz="2000" dirty="0">
+                    <a:latin typeface="Kanit Medium" panose="00000600000000000000" pitchFamily="2" charset="-34"/>
+                    <a:ea typeface="+mj-ea"/>
+                    <a:cs typeface="Kanit Medium" panose="00000600000000000000" pitchFamily="2" charset="-34"/>
+                  </a:rPr>
+                  <a:t>D</a:t>
+                </a:r>
+                <a:endParaRPr lang="th-TH" sz="2000" dirty="0">
+                  <a:solidFill>
+                    <a:schemeClr val="tx1"/>
+                  </a:solidFill>
+                  <a:latin typeface="Kanit Medium" panose="00000600000000000000" pitchFamily="2" charset="-34"/>
+                  <a:ea typeface="+mj-ea"/>
+                  <a:cs typeface="Kanit Medium" panose="00000600000000000000" pitchFamily="2" charset="-34"/>
+                </a:endParaRPr>
+              </a:p>
+            </p:txBody>
+          </p:sp>
+        </p:grpSp>
+      </p:grpSp>
+    </p:spTree>
+    <p:extLst>
+      <p:ext uri="{BB962C8B-B14F-4D97-AF65-F5344CB8AC3E}">
+        <p14:creationId xmlns:p14="http://schemas.microsoft.com/office/powerpoint/2010/main" val="3211480897"/>
       </p:ext>
     </p:extLst>
   </p:cSld>
